--- a/p2p-file-sharing.pptx
+++ b/p2p-file-sharing.pptx
@@ -5,7 +5,7 @@
     <p:sldMasterId id="2147483679" r:id="rId1"/>
   </p:sldMasterIdLst>
   <p:notesMasterIdLst>
-    <p:notesMasterId r:id="rId16"/>
+    <p:notesMasterId r:id="rId19"/>
   </p:notesMasterIdLst>
   <p:sldIdLst>
     <p:sldId id="256" r:id="rId2"/>
@@ -14,14 +14,17 @@
     <p:sldId id="259" r:id="rId5"/>
     <p:sldId id="260" r:id="rId6"/>
     <p:sldId id="269" r:id="rId7"/>
-    <p:sldId id="261" r:id="rId8"/>
-    <p:sldId id="264" r:id="rId9"/>
-    <p:sldId id="265" r:id="rId10"/>
-    <p:sldId id="266" r:id="rId11"/>
-    <p:sldId id="267" r:id="rId12"/>
-    <p:sldId id="268" r:id="rId13"/>
-    <p:sldId id="262" r:id="rId14"/>
-    <p:sldId id="270" r:id="rId15"/>
+    <p:sldId id="264" r:id="rId8"/>
+    <p:sldId id="265" r:id="rId9"/>
+    <p:sldId id="266" r:id="rId10"/>
+    <p:sldId id="267" r:id="rId11"/>
+    <p:sldId id="268" r:id="rId12"/>
+    <p:sldId id="262" r:id="rId13"/>
+    <p:sldId id="278" r:id="rId14"/>
+    <p:sldId id="276" r:id="rId15"/>
+    <p:sldId id="273" r:id="rId16"/>
+    <p:sldId id="274" r:id="rId17"/>
+    <p:sldId id="275" r:id="rId18"/>
   </p:sldIdLst>
   <p:sldSz cx="9144000" cy="6858000" type="screen4x3"/>
   <p:notesSz cx="6858000" cy="9144000"/>
@@ -122,7 +125,18 @@
   </p:defaultTextStyle>
   <p:extLst>
     <p:ext uri="{EFAFB233-063F-42B5-8137-9DF3F51BA10A}">
-      <p15:sldGuideLst xmlns:p15="http://schemas.microsoft.com/office/powerpoint/2012/main"/>
+      <p15:sldGuideLst xmlns:p15="http://schemas.microsoft.com/office/powerpoint/2012/main">
+        <p15:guide id="1" orient="horz" pos="2160">
+          <p15:clr>
+            <a:srgbClr val="A4A3A4"/>
+          </p15:clr>
+        </p15:guide>
+        <p15:guide id="2" pos="2880">
+          <p15:clr>
+            <a:srgbClr val="A4A3A4"/>
+          </p15:clr>
+        </p15:guide>
+      </p15:sldGuideLst>
     </p:ext>
   </p:extLst>
 </p:presentation>
@@ -311,6 +325,7 @@
               <a:rPr lang="ru-RU" sz="1400">
                 <a:latin typeface="Times New Roman"/>
               </a:rPr>
+              <a:pPr algn="r"/>
               <a:t>‹#›</a:t>
             </a:fld>
             <a:endParaRPr/>
@@ -506,6 +521,11 @@
                 </a:solidFill>
                 <a:latin typeface="Times New Roman"/>
               </a:rPr>
+              <a:pPr algn="r">
+                <a:lnSpc>
+                  <a:spcPct val="100000"/>
+                </a:lnSpc>
+              </a:pPr>
               <a:t>1</a:t>
             </a:fld>
             <a:endParaRPr/>
@@ -611,6 +631,11 @@
                 </a:solidFill>
                 <a:latin typeface="Times New Roman"/>
               </a:rPr>
+              <a:pPr algn="r">
+                <a:lnSpc>
+                  <a:spcPct val="100000"/>
+                </a:lnSpc>
+              </a:pPr>
               <a:t>2</a:t>
             </a:fld>
             <a:endParaRPr/>
@@ -716,6 +741,11 @@
                 </a:solidFill>
                 <a:latin typeface="Times New Roman"/>
               </a:rPr>
+              <a:pPr algn="r">
+                <a:lnSpc>
+                  <a:spcPct val="100000"/>
+                </a:lnSpc>
+              </a:pPr>
               <a:t>3</a:t>
             </a:fld>
             <a:endParaRPr/>
@@ -821,6 +851,11 @@
                 </a:solidFill>
                 <a:latin typeface="Times New Roman"/>
               </a:rPr>
+              <a:pPr algn="r">
+                <a:lnSpc>
+                  <a:spcPct val="100000"/>
+                </a:lnSpc>
+              </a:pPr>
               <a:t>4</a:t>
             </a:fld>
             <a:endParaRPr/>
@@ -926,6 +961,11 @@
                 </a:solidFill>
                 <a:latin typeface="Times New Roman"/>
               </a:rPr>
+              <a:pPr algn="r">
+                <a:lnSpc>
+                  <a:spcPct val="100000"/>
+                </a:lnSpc>
+              </a:pPr>
               <a:t>5</a:t>
             </a:fld>
             <a:endParaRPr/>
@@ -1126,7 +1166,7 @@
             <a:fld id="{B61BEF0D-F0BB-DE4B-95CE-6DB70DBA9567}" type="datetimeFigureOut">
               <a:rPr lang="en-US" smtClean="0"/>
               <a:pPr/>
-              <a:t>4/20/2020</a:t>
+              <a:t>4/21/2020</a:t>
             </a:fld>
             <a:endParaRPr lang="en-US" dirty="0"/>
           </a:p>
@@ -1214,7 +1254,7 @@
           <p:nvPr/>
         </p:nvPicPr>
         <p:blipFill>
-          <a:blip r:embed="rId2">
+          <a:blip r:embed="rId2" cstate="print">
             <a:extLst>
               <a:ext uri="{28A0092B-C50C-407E-A947-70E740481C1C}">
                 <a14:useLocalDpi xmlns:a14="http://schemas.microsoft.com/office/drawing/2010/main" val="0"/>
@@ -1426,7 +1466,7 @@
             <a:fld id="{B61BEF0D-F0BB-DE4B-95CE-6DB70DBA9567}" type="datetimeFigureOut">
               <a:rPr lang="en-US" smtClean="0"/>
               <a:pPr/>
-              <a:t>4/20/2020</a:t>
+              <a:t>4/21/2020</a:t>
             </a:fld>
             <a:endParaRPr lang="en-US" dirty="0"/>
           </a:p>
@@ -1620,7 +1660,7 @@
             <a:fld id="{B61BEF0D-F0BB-DE4B-95CE-6DB70DBA9567}" type="datetimeFigureOut">
               <a:rPr lang="en-US" smtClean="0"/>
               <a:pPr/>
-              <a:t>4/20/2020</a:t>
+              <a:t>4/21/2020</a:t>
             </a:fld>
             <a:endParaRPr lang="en-US" dirty="0"/>
           </a:p>
@@ -1883,7 +1923,7 @@
             <a:fld id="{B61BEF0D-F0BB-DE4B-95CE-6DB70DBA9567}" type="datetimeFigureOut">
               <a:rPr lang="en-US" smtClean="0"/>
               <a:pPr/>
-              <a:t>4/20/2020</a:t>
+              <a:t>4/21/2020</a:t>
             </a:fld>
             <a:endParaRPr lang="en-US" dirty="0"/>
           </a:p>
@@ -2309,7 +2349,7 @@
             <a:fld id="{B61BEF0D-F0BB-DE4B-95CE-6DB70DBA9567}" type="datetimeFigureOut">
               <a:rPr lang="en-US" smtClean="0"/>
               <a:pPr/>
-              <a:t>4/20/2020</a:t>
+              <a:t>4/21/2020</a:t>
             </a:fld>
             <a:endParaRPr lang="en-US" dirty="0"/>
           </a:p>
@@ -2848,7 +2888,7 @@
             <a:fld id="{B61BEF0D-F0BB-DE4B-95CE-6DB70DBA9567}" type="datetimeFigureOut">
               <a:rPr lang="en-US" smtClean="0"/>
               <a:pPr/>
-              <a:t>4/20/2020</a:t>
+              <a:t>4/21/2020</a:t>
             </a:fld>
             <a:endParaRPr lang="en-US" dirty="0"/>
           </a:p>
@@ -2936,7 +2976,7 @@
           <p:nvPr/>
         </p:nvPicPr>
         <p:blipFill>
-          <a:blip r:embed="rId2">
+          <a:blip r:embed="rId2" cstate="print">
             <a:extLst>
               <a:ext uri="{28A0092B-C50C-407E-A947-70E740481C1C}">
                 <a14:useLocalDpi xmlns:a14="http://schemas.microsoft.com/office/drawing/2010/main" val="0"/>
@@ -2966,7 +3006,7 @@
           <p:nvPr/>
         </p:nvPicPr>
         <p:blipFill>
-          <a:blip r:embed="rId2">
+          <a:blip r:embed="rId2" cstate="print">
             <a:extLst>
               <a:ext uri="{28A0092B-C50C-407E-A947-70E740481C1C}">
                 <a14:useLocalDpi xmlns:a14="http://schemas.microsoft.com/office/drawing/2010/main" val="0"/>
@@ -2996,7 +3036,7 @@
           <p:nvPr/>
         </p:nvPicPr>
         <p:blipFill>
-          <a:blip r:embed="rId2">
+          <a:blip r:embed="rId2" cstate="print">
             <a:extLst>
               <a:ext uri="{28A0092B-C50C-407E-A947-70E740481C1C}">
                 <a14:useLocalDpi xmlns:a14="http://schemas.microsoft.com/office/drawing/2010/main" val="0"/>
@@ -3714,7 +3754,7 @@
             <a:fld id="{B61BEF0D-F0BB-DE4B-95CE-6DB70DBA9567}" type="datetimeFigureOut">
               <a:rPr lang="en-US" smtClean="0"/>
               <a:pPr/>
-              <a:t>4/20/2020</a:t>
+              <a:t>4/21/2020</a:t>
             </a:fld>
             <a:endParaRPr lang="en-US" dirty="0"/>
           </a:p>
@@ -3886,7 +3926,7 @@
             <a:fld id="{B61BEF0D-F0BB-DE4B-95CE-6DB70DBA9567}" type="datetimeFigureOut">
               <a:rPr lang="en-US" smtClean="0"/>
               <a:pPr/>
-              <a:t>4/20/2020</a:t>
+              <a:t>4/21/2020</a:t>
             </a:fld>
             <a:endParaRPr lang="en-US" dirty="0"/>
           </a:p>
@@ -4072,7 +4112,7 @@
             <a:fld id="{B61BEF0D-F0BB-DE4B-95CE-6DB70DBA9567}" type="datetimeFigureOut">
               <a:rPr lang="en-US" smtClean="0"/>
               <a:pPr/>
-              <a:t>4/20/2020</a:t>
+              <a:t>4/21/2020</a:t>
             </a:fld>
             <a:endParaRPr lang="en-US" dirty="0"/>
           </a:p>
@@ -4244,7 +4284,7 @@
             <a:fld id="{B61BEF0D-F0BB-DE4B-95CE-6DB70DBA9567}" type="datetimeFigureOut">
               <a:rPr lang="en-US" smtClean="0"/>
               <a:pPr/>
-              <a:t>4/20/2020</a:t>
+              <a:t>4/21/2020</a:t>
             </a:fld>
             <a:endParaRPr lang="en-US" dirty="0"/>
           </a:p>
@@ -4490,7 +4530,7 @@
             <a:fld id="{B61BEF0D-F0BB-DE4B-95CE-6DB70DBA9567}" type="datetimeFigureOut">
               <a:rPr lang="en-US" smtClean="0"/>
               <a:pPr/>
-              <a:t>4/20/2020</a:t>
+              <a:t>4/21/2020</a:t>
             </a:fld>
             <a:endParaRPr lang="en-US" dirty="0"/>
           </a:p>
@@ -4728,7 +4768,7 @@
             <a:fld id="{B61BEF0D-F0BB-DE4B-95CE-6DB70DBA9567}" type="datetimeFigureOut">
               <a:rPr lang="en-US" smtClean="0"/>
               <a:pPr/>
-              <a:t>4/20/2020</a:t>
+              <a:t>4/21/2020</a:t>
             </a:fld>
             <a:endParaRPr lang="en-US" dirty="0"/>
           </a:p>
@@ -4816,7 +4856,7 @@
           <p:nvPr/>
         </p:nvPicPr>
         <p:blipFill>
-          <a:blip r:embed="rId2">
+          <a:blip r:embed="rId2" cstate="print">
             <a:extLst>
               <a:ext uri="{28A0092B-C50C-407E-A947-70E740481C1C}">
                 <a14:useLocalDpi xmlns:a14="http://schemas.microsoft.com/office/drawing/2010/main" val="0"/>
@@ -4846,7 +4886,7 @@
           <p:nvPr/>
         </p:nvPicPr>
         <p:blipFill>
-          <a:blip r:embed="rId2">
+          <a:blip r:embed="rId2" cstate="print">
             <a:extLst>
               <a:ext uri="{28A0092B-C50C-407E-A947-70E740481C1C}">
                 <a14:useLocalDpi xmlns:a14="http://schemas.microsoft.com/office/drawing/2010/main" val="0"/>
@@ -5196,7 +5236,7 @@
             <a:fld id="{B61BEF0D-F0BB-DE4B-95CE-6DB70DBA9567}" type="datetimeFigureOut">
               <a:rPr lang="en-US" smtClean="0"/>
               <a:pPr/>
-              <a:t>4/20/2020</a:t>
+              <a:t>4/21/2020</a:t>
             </a:fld>
             <a:endParaRPr lang="en-US" dirty="0"/>
           </a:p>
@@ -5316,7 +5356,7 @@
             <a:fld id="{B61BEF0D-F0BB-DE4B-95CE-6DB70DBA9567}" type="datetimeFigureOut">
               <a:rPr lang="en-US" smtClean="0"/>
               <a:pPr/>
-              <a:t>4/20/2020</a:t>
+              <a:t>4/21/2020</a:t>
             </a:fld>
             <a:endParaRPr lang="en-US" dirty="0"/>
           </a:p>
@@ -5413,7 +5453,7 @@
             <a:fld id="{B61BEF0D-F0BB-DE4B-95CE-6DB70DBA9567}" type="datetimeFigureOut">
               <a:rPr lang="en-US" smtClean="0"/>
               <a:pPr/>
-              <a:t>4/20/2020</a:t>
+              <a:t>4/21/2020</a:t>
             </a:fld>
             <a:endParaRPr lang="en-US" dirty="0"/>
           </a:p>
@@ -5670,7 +5710,7 @@
             <a:fld id="{B61BEF0D-F0BB-DE4B-95CE-6DB70DBA9567}" type="datetimeFigureOut">
               <a:rPr lang="en-US" smtClean="0"/>
               <a:pPr/>
-              <a:t>4/20/2020</a:t>
+              <a:t>4/21/2020</a:t>
             </a:fld>
             <a:endParaRPr lang="en-US" dirty="0"/>
           </a:p>
@@ -5758,7 +5798,7 @@
           <p:nvPr/>
         </p:nvPicPr>
         <p:blipFill>
-          <a:blip r:embed="rId2">
+          <a:blip r:embed="rId2" cstate="print">
             <a:extLst>
               <a:ext uri="{28A0092B-C50C-407E-A947-70E740481C1C}">
                 <a14:useLocalDpi xmlns:a14="http://schemas.microsoft.com/office/drawing/2010/main" val="0"/>
@@ -5972,7 +6012,7 @@
             <a:fld id="{B61BEF0D-F0BB-DE4B-95CE-6DB70DBA9567}" type="datetimeFigureOut">
               <a:rPr lang="en-US" smtClean="0"/>
               <a:pPr/>
-              <a:t>4/20/2020</a:t>
+              <a:t>4/21/2020</a:t>
             </a:fld>
             <a:endParaRPr lang="en-US" dirty="0"/>
           </a:p>
@@ -6208,7 +6248,7 @@
             <a:fld id="{B61BEF0D-F0BB-DE4B-95CE-6DB70DBA9567}" type="datetimeFigureOut">
               <a:rPr lang="en-US" smtClean="0"/>
               <a:pPr/>
-              <a:t>4/20/2020</a:t>
+              <a:t>4/21/2020</a:t>
             </a:fld>
             <a:endParaRPr lang="en-US" dirty="0"/>
           </a:p>
@@ -6898,7 +6938,7 @@
           <p:nvPr/>
         </p:nvPicPr>
         <p:blipFill>
-          <a:blip r:embed="rId3">
+          <a:blip r:embed="rId3" cstate="print">
             <a:extLst>
               <a:ext uri="{BEBA8EAE-BF5A-486C-A8C5-ECC9F3942E4B}">
                 <a14:imgProps xmlns:a14="http://schemas.microsoft.com/office/drawing/2010/main">
@@ -7121,7 +7161,7 @@
           <p:cNvPr id="2" name="CustomShape 3">
             <a:extLst>
               <a:ext uri="{FF2B5EF4-FFF2-40B4-BE49-F238E27FC236}">
-                <a16:creationId xmlns:a16="http://schemas.microsoft.com/office/drawing/2014/main" id="{A4458AEC-E327-4097-906C-F2FD891A86B7}"/>
+                <a16:creationId xmlns:a16="http://schemas.microsoft.com/office/drawing/2014/main" id="{165CBCD2-1B91-4D7A-ADA5-E101F0B77786}"/>
               </a:ext>
             </a:extLst>
           </p:cNvPr>
@@ -7169,7 +7209,16 @@
                 </a:solidFill>
                 <a:latin typeface="Arial"/>
               </a:rPr>
-              <a:t>Библиотека для общения клиента и демона</a:t>
+              <a:t>Публикация библиотеки на </a:t>
+            </a:r>
+            <a:r>
+              <a:rPr lang="en-US" sz="2800" b="1" dirty="0">
+                <a:solidFill>
+                  <a:srgbClr val="E36C09"/>
+                </a:solidFill>
+                <a:latin typeface="Arial"/>
+              </a:rPr>
+              <a:t>crates.io</a:t>
             </a:r>
             <a:endParaRPr lang="ru-RU" sz="1100" dirty="0"/>
           </a:p>
@@ -7177,10 +7226,10 @@
       </p:sp>
       <p:sp>
         <p:nvSpPr>
-          <p:cNvPr id="3" name="TextBox 2">
+          <p:cNvPr id="4" name="TextBox 3">
             <a:extLst>
               <a:ext uri="{FF2B5EF4-FFF2-40B4-BE49-F238E27FC236}">
-                <a16:creationId xmlns:a16="http://schemas.microsoft.com/office/drawing/2014/main" id="{FB222624-4AD1-4A57-AC68-8EC3B6749290}"/>
+                <a16:creationId xmlns:a16="http://schemas.microsoft.com/office/drawing/2014/main" id="{3339D472-E103-416E-A37C-B2471FD46528}"/>
               </a:ext>
             </a:extLst>
           </p:cNvPr>
@@ -7189,8 +7238,8 @@
         </p:nvSpPr>
         <p:spPr>
           <a:xfrm>
-            <a:off x="574706" y="556470"/>
-            <a:ext cx="7994585" cy="646331"/>
+            <a:off x="270456" y="592428"/>
+            <a:ext cx="8693240" cy="646331"/>
           </a:xfrm>
           <a:prstGeom prst="rect">
             <a:avLst/>
@@ -7204,81 +7253,35 @@
           <a:lstStyle/>
           <a:p>
             <a:r>
-              <a:rPr lang="ru-RU" dirty="0">
-                <a:solidFill>
-                  <a:schemeClr val="tx1">
-                    <a:lumMod val="85000"/>
-                  </a:schemeClr>
-                </a:solidFill>
-              </a:rPr>
-              <a:t>Для определения типов команд и ответов были созданы 2 перечисления: </a:t>
-            </a:r>
-            <a:r>
-              <a:rPr lang="en-US" dirty="0" err="1">
-                <a:solidFill>
-                  <a:schemeClr val="tx1">
-                    <a:lumMod val="85000"/>
-                  </a:schemeClr>
-                </a:solidFill>
-              </a:rPr>
-              <a:t>CommandType</a:t>
-            </a:r>
-            <a:r>
-              <a:rPr lang="en-US" dirty="0">
-                <a:solidFill>
-                  <a:schemeClr val="tx1">
-                    <a:lumMod val="85000"/>
-                  </a:schemeClr>
-                </a:solidFill>
-              </a:rPr>
-              <a:t> </a:t>
-            </a:r>
-            <a:r>
-              <a:rPr lang="ru-RU" dirty="0">
-                <a:solidFill>
-                  <a:schemeClr val="tx1">
-                    <a:lumMod val="85000"/>
-                  </a:schemeClr>
-                </a:solidFill>
-              </a:rPr>
-              <a:t>и </a:t>
-            </a:r>
-            <a:r>
-              <a:rPr lang="en-US" dirty="0" err="1">
-                <a:solidFill>
-                  <a:schemeClr val="tx1">
-                    <a:lumMod val="85000"/>
-                  </a:schemeClr>
-                </a:solidFill>
-              </a:rPr>
-              <a:t>ResponseType</a:t>
-            </a:r>
-            <a:r>
-              <a:rPr lang="ru-RU" dirty="0">
-                <a:solidFill>
-                  <a:schemeClr val="tx1">
-                    <a:lumMod val="85000"/>
-                  </a:schemeClr>
-                </a:solidFill>
-              </a:rPr>
-              <a:t>:</a:t>
-            </a:r>
-            <a:endParaRPr lang="en-US" dirty="0">
-              <a:solidFill>
-                <a:schemeClr val="tx1">
-                  <a:lumMod val="85000"/>
-                </a:schemeClr>
-              </a:solidFill>
-            </a:endParaRPr>
+              <a:rPr lang="ru-RU" dirty="0"/>
+              <a:t>Чтобы не таскать клиенту и демону локально за собой </a:t>
+            </a:r>
+            <a:r>
+              <a:rPr lang="ru-RU" dirty="0" err="1"/>
+              <a:t>либу</a:t>
+            </a:r>
+            <a:r>
+              <a:rPr lang="ru-RU" dirty="0"/>
+              <a:t>, было принято решения разместить её на публичном хосте библиотек </a:t>
+            </a:r>
+            <a:r>
+              <a:rPr lang="en-US" dirty="0"/>
+              <a:t>crates.io</a:t>
+            </a:r>
+            <a:r>
+              <a:rPr lang="ru-RU" dirty="0"/>
+              <a:t>.</a:t>
+            </a:r>
+            <a:endParaRPr lang="en-US" dirty="0"/>
           </a:p>
         </p:txBody>
       </p:sp>
       <p:pic>
         <p:nvPicPr>
-          <p:cNvPr id="4" name="Picture 3">
+          <p:cNvPr id="5" name="Picture 4">
             <a:extLst>
               <a:ext uri="{FF2B5EF4-FFF2-40B4-BE49-F238E27FC236}">
-                <a16:creationId xmlns:a16="http://schemas.microsoft.com/office/drawing/2014/main" id="{84EA4206-FABB-4795-B216-A9E224A12B8D}"/>
+                <a16:creationId xmlns:a16="http://schemas.microsoft.com/office/drawing/2014/main" id="{E2B5AA74-D3C6-42B8-A588-AAB73AA3150E}"/>
               </a:ext>
             </a:extLst>
           </p:cNvPr>
@@ -7288,45 +7291,15 @@
           <p:nvPr/>
         </p:nvPicPr>
         <p:blipFill>
-          <a:blip r:embed="rId2"/>
+          <a:blip r:embed="rId2" cstate="print"/>
           <a:stretch>
             <a:fillRect/>
           </a:stretch>
         </p:blipFill>
         <p:spPr>
           <a:xfrm>
-            <a:off x="-1" y="1294215"/>
-            <a:ext cx="9144000" cy="3665084"/>
-          </a:xfrm>
-          <a:prstGeom prst="rect">
-            <a:avLst/>
-          </a:prstGeom>
-        </p:spPr>
-      </p:pic>
-      <p:pic>
-        <p:nvPicPr>
-          <p:cNvPr id="5" name="Picture 4">
-            <a:extLst>
-              <a:ext uri="{FF2B5EF4-FFF2-40B4-BE49-F238E27FC236}">
-                <a16:creationId xmlns:a16="http://schemas.microsoft.com/office/drawing/2014/main" id="{B8B4F2E2-ABD6-45E5-A964-AB04AD5B9943}"/>
-              </a:ext>
-            </a:extLst>
-          </p:cNvPr>
-          <p:cNvPicPr>
-            <a:picLocks noChangeAspect="1"/>
-          </p:cNvPicPr>
-          <p:nvPr/>
-        </p:nvPicPr>
-        <p:blipFill>
-          <a:blip r:embed="rId3"/>
-          <a:stretch>
-            <a:fillRect/>
-          </a:stretch>
-        </p:blipFill>
-        <p:spPr>
-          <a:xfrm>
-            <a:off x="0" y="4959298"/>
-            <a:ext cx="9144000" cy="1898702"/>
+            <a:off x="-1" y="1560439"/>
+            <a:ext cx="9144000" cy="4226520"/>
           </a:xfrm>
           <a:prstGeom prst="rect">
             <a:avLst/>
@@ -7336,7 +7309,7 @@
     </p:spTree>
     <p:extLst>
       <p:ext uri="{BB962C8B-B14F-4D97-AF65-F5344CB8AC3E}">
-        <p14:creationId xmlns:p14="http://schemas.microsoft.com/office/powerpoint/2010/main" val="2147461157"/>
+        <p14:creationId xmlns:p14="http://schemas.microsoft.com/office/powerpoint/2010/main" val="3751268312"/>
       </p:ext>
     </p:extLst>
   </p:cSld>
@@ -7368,7 +7341,7 @@
           <p:cNvPr id="2" name="CustomShape 3">
             <a:extLst>
               <a:ext uri="{FF2B5EF4-FFF2-40B4-BE49-F238E27FC236}">
-                <a16:creationId xmlns:a16="http://schemas.microsoft.com/office/drawing/2014/main" id="{165CBCD2-1B91-4D7A-ADA5-E101F0B77786}"/>
+                <a16:creationId xmlns:a16="http://schemas.microsoft.com/office/drawing/2014/main" id="{FC5C6E81-3ED5-49E1-B44A-4ED3E5F542BB}"/>
               </a:ext>
             </a:extLst>
           </p:cNvPr>
@@ -7416,7 +7389,7 @@
                 </a:solidFill>
                 <a:latin typeface="Arial"/>
               </a:rPr>
-              <a:t>Публикация библиотеки на </a:t>
+              <a:t>Документация библиотеки на </a:t>
             </a:r>
             <a:r>
               <a:rPr lang="en-US" sz="2800" b="1" dirty="0">
@@ -7431,64 +7404,12 @@
           </a:p>
         </p:txBody>
       </p:sp>
-      <p:sp>
-        <p:nvSpPr>
-          <p:cNvPr id="4" name="TextBox 3">
+      <p:pic>
+        <p:nvPicPr>
+          <p:cNvPr id="3" name="Picture 2">
             <a:extLst>
               <a:ext uri="{FF2B5EF4-FFF2-40B4-BE49-F238E27FC236}">
-                <a16:creationId xmlns:a16="http://schemas.microsoft.com/office/drawing/2014/main" id="{3339D472-E103-416E-A37C-B2471FD46528}"/>
-              </a:ext>
-            </a:extLst>
-          </p:cNvPr>
-          <p:cNvSpPr txBox="1"/>
-          <p:nvPr/>
-        </p:nvSpPr>
-        <p:spPr>
-          <a:xfrm>
-            <a:off x="270456" y="592428"/>
-            <a:ext cx="8693240" cy="646331"/>
-          </a:xfrm>
-          <a:prstGeom prst="rect">
-            <a:avLst/>
-          </a:prstGeom>
-          <a:noFill/>
-        </p:spPr>
-        <p:txBody>
-          <a:bodyPr wrap="square" rtlCol="0">
-            <a:spAutoFit/>
-          </a:bodyPr>
-          <a:lstStyle/>
-          <a:p>
-            <a:r>
-              <a:rPr lang="ru-RU" dirty="0"/>
-              <a:t>Чтобы не таскать клиенту и демону локально за собой </a:t>
-            </a:r>
-            <a:r>
-              <a:rPr lang="ru-RU" dirty="0" err="1"/>
-              <a:t>либу</a:t>
-            </a:r>
-            <a:r>
-              <a:rPr lang="ru-RU" dirty="0"/>
-              <a:t>, было принято решения разместить её на публичном хосте библиотек </a:t>
-            </a:r>
-            <a:r>
-              <a:rPr lang="en-US" dirty="0"/>
-              <a:t>crates.io</a:t>
-            </a:r>
-            <a:r>
-              <a:rPr lang="ru-RU" dirty="0"/>
-              <a:t>.</a:t>
-            </a:r>
-            <a:endParaRPr lang="en-US" dirty="0"/>
-          </a:p>
-        </p:txBody>
-      </p:sp>
-      <p:pic>
-        <p:nvPicPr>
-          <p:cNvPr id="5" name="Picture 4">
-            <a:extLst>
-              <a:ext uri="{FF2B5EF4-FFF2-40B4-BE49-F238E27FC236}">
-                <a16:creationId xmlns:a16="http://schemas.microsoft.com/office/drawing/2014/main" id="{E2B5AA74-D3C6-42B8-A588-AAB73AA3150E}"/>
+                <a16:creationId xmlns:a16="http://schemas.microsoft.com/office/drawing/2014/main" id="{CEAE309D-97FA-4006-B6FF-8C71189516EA}"/>
               </a:ext>
             </a:extLst>
           </p:cNvPr>
@@ -7498,25 +7419,93 @@
           <p:nvPr/>
         </p:nvPicPr>
         <p:blipFill>
-          <a:blip r:embed="rId2"/>
+          <a:blip r:embed="rId2" cstate="print"/>
           <a:stretch>
             <a:fillRect/>
           </a:stretch>
         </p:blipFill>
         <p:spPr>
           <a:xfrm>
-            <a:off x="-1" y="1560439"/>
-            <a:ext cx="9144000" cy="4226520"/>
+            <a:off x="0" y="2437140"/>
+            <a:ext cx="9144000" cy="4420860"/>
           </a:xfrm>
           <a:prstGeom prst="rect">
             <a:avLst/>
           </a:prstGeom>
         </p:spPr>
       </p:pic>
+      <p:sp>
+        <p:nvSpPr>
+          <p:cNvPr id="4" name="TextBox 3">
+            <a:extLst>
+              <a:ext uri="{FF2B5EF4-FFF2-40B4-BE49-F238E27FC236}">
+                <a16:creationId xmlns:a16="http://schemas.microsoft.com/office/drawing/2014/main" id="{AEFEB503-E33B-4EE4-A630-616B091C3337}"/>
+              </a:ext>
+            </a:extLst>
+          </p:cNvPr>
+          <p:cNvSpPr txBox="1"/>
+          <p:nvPr/>
+        </p:nvSpPr>
+        <p:spPr>
+          <a:xfrm>
+            <a:off x="814563" y="1242199"/>
+            <a:ext cx="8329437" cy="646331"/>
+          </a:xfrm>
+          <a:prstGeom prst="rect">
+            <a:avLst/>
+          </a:prstGeom>
+          <a:noFill/>
+        </p:spPr>
+        <p:txBody>
+          <a:bodyPr wrap="square" rtlCol="0">
+            <a:spAutoFit/>
+          </a:bodyPr>
+          <a:lstStyle/>
+          <a:p>
+            <a:r>
+              <a:rPr lang="ru-RU" dirty="0">
+                <a:solidFill>
+                  <a:schemeClr val="tx1">
+                    <a:lumMod val="85000"/>
+                  </a:schemeClr>
+                </a:solidFill>
+              </a:rPr>
+              <a:t>Специально для хоста </a:t>
+            </a:r>
+            <a:r>
+              <a:rPr lang="en-US" dirty="0">
+                <a:solidFill>
+                  <a:schemeClr val="tx1">
+                    <a:lumMod val="85000"/>
+                  </a:schemeClr>
+                </a:solidFill>
+              </a:rPr>
+              <a:t>crates.io </a:t>
+            </a:r>
+            <a:r>
+              <a:rPr lang="ru-RU" dirty="0">
+                <a:solidFill>
+                  <a:schemeClr val="tx1">
+                    <a:lumMod val="85000"/>
+                  </a:schemeClr>
+                </a:solidFill>
+              </a:rPr>
+              <a:t>для нашей библиотеки была написана документация с описанием перечислений и остальных её жителей.</a:t>
+            </a:r>
+            <a:endParaRPr lang="en-US" dirty="0">
+              <a:solidFill>
+                <a:schemeClr val="tx1">
+                  <a:lumMod val="85000"/>
+                </a:schemeClr>
+              </a:solidFill>
+            </a:endParaRPr>
+          </a:p>
+        </p:txBody>
+      </p:sp>
     </p:spTree>
     <p:extLst>
       <p:ext uri="{BB962C8B-B14F-4D97-AF65-F5344CB8AC3E}">
-        <p14:creationId xmlns:p14="http://schemas.microsoft.com/office/powerpoint/2010/main" val="3751268312"/>
+        <p14:creationId xmlns:p14="http://schemas.microsoft.com/office/powerpoint/2010/main" val="3418868255"/>
       </p:ext>
     </p:extLst>
   </p:cSld>
@@ -7548,7 +7537,7 @@
           <p:cNvPr id="2" name="CustomShape 3">
             <a:extLst>
               <a:ext uri="{FF2B5EF4-FFF2-40B4-BE49-F238E27FC236}">
-                <a16:creationId xmlns:a16="http://schemas.microsoft.com/office/drawing/2014/main" id="{FC5C6E81-3ED5-49E1-B44A-4ED3E5F542BB}"/>
+                <a16:creationId xmlns:a16="http://schemas.microsoft.com/office/drawing/2014/main" id="{7B5DA151-04B4-4AB4-A3BC-E5922A4CA50F}"/>
               </a:ext>
             </a:extLst>
           </p:cNvPr>
@@ -7557,8 +7546,8 @@
         </p:nvSpPr>
         <p:spPr>
           <a:xfrm>
-            <a:off x="492591" y="0"/>
-            <a:ext cx="8158817" cy="1339920"/>
+            <a:off x="792000" y="76320"/>
+            <a:ext cx="7559640" cy="1339920"/>
           </a:xfrm>
           <a:prstGeom prst="rect">
             <a:avLst/>
@@ -7590,24 +7579,15 @@
               </a:lnSpc>
             </a:pPr>
             <a:r>
-              <a:rPr lang="ru-RU" sz="2800" b="1" dirty="0">
+              <a:rPr lang="ru-RU" sz="3200" b="1" dirty="0">
                 <a:solidFill>
                   <a:srgbClr val="E36C09"/>
                 </a:solidFill>
                 <a:latin typeface="Arial"/>
               </a:rPr>
-              <a:t>Документация библиотеки на </a:t>
-            </a:r>
-            <a:r>
-              <a:rPr lang="en-US" sz="2800" b="1" dirty="0">
-                <a:solidFill>
-                  <a:srgbClr val="E36C09"/>
-                </a:solidFill>
-                <a:latin typeface="Arial"/>
-              </a:rPr>
-              <a:t>crates.io</a:t>
-            </a:r>
-            <a:endParaRPr lang="ru-RU" sz="1100" dirty="0"/>
+              <a:t>Помощь пользователю</a:t>
+            </a:r>
+            <a:endParaRPr sz="1200" dirty="0"/>
           </a:p>
         </p:txBody>
       </p:sp>
@@ -7616,7 +7596,7 @@
           <p:cNvPr id="3" name="Picture 2">
             <a:extLst>
               <a:ext uri="{FF2B5EF4-FFF2-40B4-BE49-F238E27FC236}">
-                <a16:creationId xmlns:a16="http://schemas.microsoft.com/office/drawing/2014/main" id="{CEAE309D-97FA-4006-B6FF-8C71189516EA}"/>
+                <a16:creationId xmlns:a16="http://schemas.microsoft.com/office/drawing/2014/main" id="{37C1087A-D5DD-42FC-87E2-6AB2845033B6}"/>
               </a:ext>
             </a:extLst>
           </p:cNvPr>
@@ -7626,15 +7606,15 @@
           <p:nvPr/>
         </p:nvPicPr>
         <p:blipFill>
-          <a:blip r:embed="rId2"/>
+          <a:blip r:embed="rId2" cstate="print"/>
           <a:stretch>
             <a:fillRect/>
           </a:stretch>
         </p:blipFill>
         <p:spPr>
           <a:xfrm>
-            <a:off x="0" y="2437140"/>
-            <a:ext cx="9144000" cy="4420860"/>
+            <a:off x="0" y="2490150"/>
+            <a:ext cx="9144000" cy="4367850"/>
           </a:xfrm>
           <a:prstGeom prst="rect">
             <a:avLst/>
@@ -7643,10 +7623,10 @@
       </p:pic>
       <p:sp>
         <p:nvSpPr>
-          <p:cNvPr id="4" name="TextBox 3">
+          <p:cNvPr id="5" name="TextBox 4">
             <a:extLst>
               <a:ext uri="{FF2B5EF4-FFF2-40B4-BE49-F238E27FC236}">
-                <a16:creationId xmlns:a16="http://schemas.microsoft.com/office/drawing/2014/main" id="{AEFEB503-E33B-4EE4-A630-616B091C3337}"/>
+                <a16:creationId xmlns:a16="http://schemas.microsoft.com/office/drawing/2014/main" id="{08439E12-223C-4A30-B46A-0A845CD2BAA5}"/>
               </a:ext>
             </a:extLst>
           </p:cNvPr>
@@ -7655,8 +7635,8 @@
         </p:nvSpPr>
         <p:spPr>
           <a:xfrm>
-            <a:off x="814563" y="1242199"/>
-            <a:ext cx="8329437" cy="646331"/>
+            <a:off x="466705" y="1304296"/>
+            <a:ext cx="7740202" cy="923330"/>
           </a:xfrm>
           <a:prstGeom prst="rect">
             <a:avLst/>
@@ -7669,50 +7649,35 @@
           </a:bodyPr>
           <a:lstStyle/>
           <a:p>
-            <a:r>
-              <a:rPr lang="ru-RU" dirty="0">
-                <a:solidFill>
-                  <a:schemeClr val="tx1">
-                    <a:lumMod val="85000"/>
-                  </a:schemeClr>
-                </a:solidFill>
-              </a:rPr>
-              <a:t>Специально для хоста </a:t>
-            </a:r>
-            <a:r>
-              <a:rPr lang="en-US" dirty="0">
-                <a:solidFill>
-                  <a:schemeClr val="tx1">
-                    <a:lumMod val="85000"/>
-                  </a:schemeClr>
-                </a:solidFill>
-              </a:rPr>
-              <a:t>crates.io </a:t>
-            </a:r>
-            <a:r>
-              <a:rPr lang="ru-RU" dirty="0">
-                <a:solidFill>
-                  <a:schemeClr val="tx1">
-                    <a:lumMod val="85000"/>
-                  </a:schemeClr>
-                </a:solidFill>
-              </a:rPr>
-              <a:t>для нашей библиотеки была написана документация с описанием перечислений и остальных её жителей.</a:t>
-            </a:r>
-            <a:endParaRPr lang="en-US" dirty="0">
-              <a:solidFill>
-                <a:schemeClr val="tx1">
-                  <a:lumMod val="85000"/>
-                </a:schemeClr>
-              </a:solidFill>
-            </a:endParaRPr>
+            <a:pPr algn="just"/>
+            <a:r>
+              <a:rPr lang="ru-RU" dirty="0"/>
+              <a:t>Для полной информации об приложении, пользователь может запустить приложение с флагом </a:t>
+            </a:r>
+            <a:r>
+              <a:rPr lang="en-US" dirty="0"/>
+              <a:t>-h </a:t>
+            </a:r>
+            <a:r>
+              <a:rPr lang="ru-RU" dirty="0"/>
+              <a:t>или </a:t>
+            </a:r>
+            <a:r>
+              <a:rPr lang="en-US" dirty="0"/>
+              <a:t>--help </a:t>
+            </a:r>
+            <a:r>
+              <a:rPr lang="ru-RU" dirty="0"/>
+              <a:t>и получит следующую информацию:</a:t>
+            </a:r>
+            <a:endParaRPr lang="en-US" dirty="0"/>
           </a:p>
         </p:txBody>
       </p:sp>
     </p:spTree>
     <p:extLst>
       <p:ext uri="{BB962C8B-B14F-4D97-AF65-F5344CB8AC3E}">
-        <p14:creationId xmlns:p14="http://schemas.microsoft.com/office/powerpoint/2010/main" val="3418868255"/>
+        <p14:creationId xmlns:p14="http://schemas.microsoft.com/office/powerpoint/2010/main" val="1097298267"/>
       </p:ext>
     </p:extLst>
   </p:cSld>
@@ -7792,42 +7757,11 @@
                 </a:solidFill>
                 <a:latin typeface="Arial"/>
               </a:rPr>
-              <a:t>Помощь пользователю</a:t>
-            </a:r>
-            <a:endParaRPr sz="1200" dirty="0"/>
-          </a:p>
-        </p:txBody>
-      </p:sp>
-      <p:pic>
-        <p:nvPicPr>
-          <p:cNvPr id="3" name="Picture 2">
-            <a:extLst>
-              <a:ext uri="{FF2B5EF4-FFF2-40B4-BE49-F238E27FC236}">
-                <a16:creationId xmlns:a16="http://schemas.microsoft.com/office/drawing/2014/main" id="{37C1087A-D5DD-42FC-87E2-6AB2845033B6}"/>
-              </a:ext>
-            </a:extLst>
-          </p:cNvPr>
-          <p:cNvPicPr>
-            <a:picLocks noChangeAspect="1"/>
-          </p:cNvPicPr>
-          <p:nvPr/>
-        </p:nvPicPr>
-        <p:blipFill>
-          <a:blip r:embed="rId2"/>
-          <a:stretch>
-            <a:fillRect/>
-          </a:stretch>
-        </p:blipFill>
-        <p:spPr>
-          <a:xfrm>
-            <a:off x="0" y="2490150"/>
-            <a:ext cx="9144000" cy="4367850"/>
-          </a:xfrm>
-          <a:prstGeom prst="rect">
-            <a:avLst/>
-          </a:prstGeom>
-        </p:spPr>
-      </p:pic>
+              <a:t>Опциональные требования</a:t>
+            </a:r>
+          </a:p>
+        </p:txBody>
+      </p:sp>
       <p:sp>
         <p:nvSpPr>
           <p:cNvPr id="5" name="TextBox 4">
@@ -7843,7 +7777,7 @@
         <p:spPr>
           <a:xfrm>
             <a:off x="466705" y="1304296"/>
-            <a:ext cx="7740202" cy="923330"/>
+            <a:ext cx="7740202" cy="3416320"/>
           </a:xfrm>
           <a:prstGeom prst="rect">
             <a:avLst/>
@@ -7856,35 +7790,89 @@
           </a:bodyPr>
           <a:lstStyle/>
           <a:p>
-            <a:pPr algn="just"/>
-            <a:r>
-              <a:rPr lang="ru-RU" dirty="0"/>
-              <a:t>Для полной информации об приложении, пользователь может запустить приложение с флагом </a:t>
-            </a:r>
-            <a:r>
-              <a:rPr lang="en-US" dirty="0"/>
-              <a:t>-h </a:t>
-            </a:r>
-            <a:r>
-              <a:rPr lang="ru-RU" dirty="0"/>
-              <a:t>или </a:t>
-            </a:r>
-            <a:r>
-              <a:rPr lang="en-US" dirty="0"/>
-              <a:t>--help </a:t>
-            </a:r>
-            <a:r>
-              <a:rPr lang="ru-RU" dirty="0"/>
-              <a:t>и получит следующую информацию:</a:t>
-            </a:r>
-            <a:endParaRPr lang="en-US" dirty="0"/>
+            <a:pPr marL="342900" indent="-342900" algn="just">
+              <a:buAutoNum type="arabicPeriod"/>
+            </a:pPr>
+            <a:r>
+              <a:rPr lang="ru-RU" sz="2400" dirty="0"/>
+              <a:t>Сервисная часть должна использовать </a:t>
+            </a:r>
+            <a:r>
+              <a:rPr lang="ru-RU" sz="2400" dirty="0" err="1"/>
+              <a:t>async</a:t>
+            </a:r>
+            <a:r>
+              <a:rPr lang="ru-RU" sz="2400" dirty="0"/>
+              <a:t>/.</a:t>
+            </a:r>
+            <a:r>
+              <a:rPr lang="ru-RU" sz="2400" dirty="0" err="1"/>
+              <a:t>await</a:t>
+            </a:r>
+            <a:r>
+              <a:rPr lang="ru-RU" sz="2400" dirty="0"/>
+              <a:t> с </a:t>
+            </a:r>
+            <a:r>
+              <a:rPr lang="ru-RU" sz="2400" dirty="0" err="1"/>
+              <a:t>tokio</a:t>
+            </a:r>
+            <a:endParaRPr lang="en-US" sz="2400" dirty="0"/>
+          </a:p>
+          <a:p>
+            <a:pPr marL="342900" indent="-342900" algn="just">
+              <a:buAutoNum type="arabicPeriod"/>
+            </a:pPr>
+            <a:endParaRPr lang="en-US" sz="2400" dirty="0"/>
+          </a:p>
+          <a:p>
+            <a:pPr marL="342900" indent="-342900" algn="just">
+              <a:buAutoNum type="arabicPeriod"/>
+            </a:pPr>
+            <a:r>
+              <a:rPr lang="ru-RU" sz="2400" dirty="0"/>
+              <a:t>Если несколько пиров позволяют скачать один и тот же файл, скачивание должно производиться с каждого из них одновременно</a:t>
+            </a:r>
+            <a:endParaRPr lang="en-US" sz="2400" dirty="0"/>
+          </a:p>
+          <a:p>
+            <a:pPr marL="342900" indent="-342900" algn="just">
+              <a:buFontTx/>
+              <a:buAutoNum type="arabicPeriod"/>
+            </a:pPr>
+            <a:endParaRPr lang="en-US" sz="2400" dirty="0"/>
+          </a:p>
+          <a:p>
+            <a:pPr marL="342900" indent="-342900" algn="just">
+              <a:buFontTx/>
+              <a:buAutoNum type="arabicPeriod"/>
+            </a:pPr>
+            <a:r>
+              <a:rPr lang="ru-RU" sz="2400" dirty="0">
+                <a:solidFill>
+                  <a:schemeClr val="bg2">
+                    <a:lumMod val="50000"/>
+                    <a:lumOff val="50000"/>
+                  </a:schemeClr>
+                </a:solidFill>
+              </a:rPr>
+              <a:t>Передача файлов должна происходить по защищенному зашифрованному соединению</a:t>
+            </a:r>
+            <a:endParaRPr lang="en-US" sz="2400" dirty="0">
+              <a:solidFill>
+                <a:schemeClr val="bg2">
+                  <a:lumMod val="50000"/>
+                  <a:lumOff val="50000"/>
+                </a:schemeClr>
+              </a:solidFill>
+            </a:endParaRPr>
           </a:p>
         </p:txBody>
       </p:sp>
     </p:spTree>
     <p:extLst>
       <p:ext uri="{BB962C8B-B14F-4D97-AF65-F5344CB8AC3E}">
-        <p14:creationId xmlns:p14="http://schemas.microsoft.com/office/powerpoint/2010/main" val="1097298267"/>
+        <p14:creationId xmlns:p14="http://schemas.microsoft.com/office/powerpoint/2010/main" val="1961695097"/>
       </p:ext>
     </p:extLst>
   </p:cSld>
@@ -7925,7 +7913,7 @@
         </p:nvSpPr>
         <p:spPr>
           <a:xfrm>
-            <a:off x="792000" y="76320"/>
+            <a:off x="767062" y="0"/>
             <a:ext cx="7559640" cy="1339920"/>
           </a:xfrm>
           <a:prstGeom prst="rect">
@@ -7964,124 +7952,430 @@
                 </a:solidFill>
                 <a:latin typeface="Arial"/>
               </a:rPr>
-              <a:t>Опциональные требования</a:t>
-            </a:r>
-          </a:p>
-        </p:txBody>
-      </p:sp>
-      <p:sp>
-        <p:nvSpPr>
-          <p:cNvPr id="5" name="TextBox 4">
-            <a:extLst>
-              <a:ext uri="{FF2B5EF4-FFF2-40B4-BE49-F238E27FC236}">
-                <a16:creationId xmlns:a16="http://schemas.microsoft.com/office/drawing/2014/main" id="{08439E12-223C-4A30-B46A-0A845CD2BAA5}"/>
-              </a:ext>
-            </a:extLst>
-          </p:cNvPr>
-          <p:cNvSpPr txBox="1"/>
+              <a:t>Карта</a:t>
+            </a:r>
+            <a:endParaRPr sz="1200" dirty="0"/>
+          </a:p>
+        </p:txBody>
+      </p:sp>
+      <p:pic>
+        <p:nvPicPr>
+          <p:cNvPr id="1026" name="Picture 2"/>
+          <p:cNvPicPr>
+            <a:picLocks noChangeAspect="1" noChangeArrowheads="1"/>
+          </p:cNvPicPr>
           <p:nvPr/>
-        </p:nvSpPr>
-        <p:spPr>
-          <a:xfrm>
-            <a:off x="466705" y="1304296"/>
-            <a:ext cx="7740202" cy="3416320"/>
+        </p:nvPicPr>
+        <p:blipFill>
+          <a:blip r:embed="rId2" cstate="print"/>
+          <a:srcRect/>
+          <a:stretch>
+            <a:fillRect/>
+          </a:stretch>
+        </p:blipFill>
+        <p:spPr bwMode="auto">
+          <a:xfrm>
+            <a:off x="2202874" y="583277"/>
+            <a:ext cx="4680064" cy="2208472"/>
           </a:xfrm>
           <a:prstGeom prst="rect">
             <a:avLst/>
           </a:prstGeom>
           <a:noFill/>
-        </p:spPr>
-        <p:txBody>
-          <a:bodyPr wrap="square" rtlCol="0">
-            <a:spAutoFit/>
-          </a:bodyPr>
+          <a:ln w="9525">
+            <a:noFill/>
+            <a:miter lim="800000"/>
+            <a:headEnd/>
+            <a:tailEnd/>
+          </a:ln>
+        </p:spPr>
+      </p:pic>
+      <p:pic>
+        <p:nvPicPr>
+          <p:cNvPr id="1027" name="Picture 3"/>
+          <p:cNvPicPr>
+            <a:picLocks noChangeAspect="1" noChangeArrowheads="1"/>
+          </p:cNvPicPr>
+          <p:nvPr/>
+        </p:nvPicPr>
+        <p:blipFill>
+          <a:blip r:embed="rId3" cstate="print"/>
+          <a:srcRect/>
+          <a:stretch>
+            <a:fillRect/>
+          </a:stretch>
+        </p:blipFill>
+        <p:spPr bwMode="auto">
+          <a:xfrm>
+            <a:off x="2186246" y="2801390"/>
+            <a:ext cx="4684679" cy="2219460"/>
+          </a:xfrm>
+          <a:prstGeom prst="rect">
+            <a:avLst/>
+          </a:prstGeom>
+          <a:noFill/>
+          <a:ln w="9525">
+            <a:noFill/>
+            <a:miter lim="800000"/>
+            <a:headEnd/>
+            <a:tailEnd/>
+          </a:ln>
+        </p:spPr>
+      </p:pic>
+      <p:pic>
+        <p:nvPicPr>
+          <p:cNvPr id="1028" name="Picture 4"/>
+          <p:cNvPicPr>
+            <a:picLocks noChangeAspect="1" noChangeArrowheads="1"/>
+          </p:cNvPicPr>
+          <p:nvPr/>
+        </p:nvPicPr>
+        <p:blipFill>
+          <a:blip r:embed="rId4" cstate="print"/>
+          <a:srcRect/>
+          <a:stretch>
+            <a:fillRect/>
+          </a:stretch>
+        </p:blipFill>
+        <p:spPr bwMode="auto">
+          <a:xfrm>
+            <a:off x="1978429" y="5002793"/>
+            <a:ext cx="5151466" cy="1713891"/>
+          </a:xfrm>
+          <a:prstGeom prst="rect">
+            <a:avLst/>
+          </a:prstGeom>
+          <a:noFill/>
+          <a:ln w="9525">
+            <a:noFill/>
+            <a:miter lim="800000"/>
+            <a:headEnd/>
+            <a:tailEnd/>
+          </a:ln>
+        </p:spPr>
+      </p:pic>
+    </p:spTree>
+  </p:cSld>
+  <p:clrMapOvr>
+    <a:masterClrMapping/>
+  </p:clrMapOvr>
+</p:sld>
+</file>
+
+<file path=ppt/slides/slide15.xml><?xml version="1.0" encoding="utf-8"?>
+<p:sld xmlns:a="http://schemas.openxmlformats.org/drawingml/2006/main" xmlns:r="http://schemas.openxmlformats.org/officeDocument/2006/relationships" xmlns:p="http://schemas.openxmlformats.org/presentationml/2006/main">
+  <p:cSld>
+    <p:spTree>
+      <p:nvGrpSpPr>
+        <p:cNvPr id="1" name=""/>
+        <p:cNvGrpSpPr/>
+        <p:nvPr/>
+      </p:nvGrpSpPr>
+      <p:grpSpPr>
+        <a:xfrm>
+          <a:off x="0" y="0"/>
+          <a:ext cx="0" cy="0"/>
+          <a:chOff x="0" y="0"/>
+          <a:chExt cx="0" cy="0"/>
+        </a:xfrm>
+      </p:grpSpPr>
+      <p:sp>
+        <p:nvSpPr>
+          <p:cNvPr id="2" name="CustomShape 3">
+            <a:extLst>
+              <a:ext uri="{FF2B5EF4-FFF2-40B4-BE49-F238E27FC236}">
+                <a16:creationId xmlns:a16="http://schemas.microsoft.com/office/drawing/2014/main" id="{7B5DA151-04B4-4AB4-A3BC-E5922A4CA50F}"/>
+              </a:ext>
+            </a:extLst>
+          </p:cNvPr>
+          <p:cNvSpPr/>
+          <p:nvPr/>
+        </p:nvSpPr>
+        <p:spPr>
+          <a:xfrm>
+            <a:off x="792000" y="76320"/>
+            <a:ext cx="7559640" cy="1339920"/>
+          </a:xfrm>
+          <a:prstGeom prst="rect">
+            <a:avLst/>
+          </a:prstGeom>
+          <a:noFill/>
+          <a:ln>
+            <a:noFill/>
+          </a:ln>
+        </p:spPr>
+        <p:style>
+          <a:lnRef idx="0">
+            <a:scrgbClr r="0" g="0" b="0"/>
+          </a:lnRef>
+          <a:fillRef idx="0">
+            <a:scrgbClr r="0" g="0" b="0"/>
+          </a:fillRef>
+          <a:effectRef idx="0">
+            <a:scrgbClr r="0" g="0" b="0"/>
+          </a:effectRef>
+          <a:fontRef idx="minor"/>
+        </p:style>
+        <p:txBody>
+          <a:bodyPr lIns="90000" tIns="45000" rIns="90000" bIns="45000"/>
           <a:lstStyle/>
           <a:p>
-            <a:pPr marL="342900" indent="-342900" algn="just">
-              <a:buAutoNum type="arabicPeriod"/>
+            <a:pPr algn="ctr">
+              <a:lnSpc>
+                <a:spcPct val="100000"/>
+              </a:lnSpc>
             </a:pPr>
             <a:r>
-              <a:rPr lang="ru-RU" sz="2400" dirty="0"/>
-              <a:t>Сервисная часть должна использовать </a:t>
-            </a:r>
-            <a:r>
-              <a:rPr lang="ru-RU" sz="2400" dirty="0" err="1"/>
-              <a:t>async</a:t>
-            </a:r>
-            <a:r>
-              <a:rPr lang="ru-RU" sz="2400" dirty="0"/>
-              <a:t>/.</a:t>
-            </a:r>
-            <a:r>
-              <a:rPr lang="ru-RU" sz="2400" dirty="0" err="1"/>
-              <a:t>await</a:t>
-            </a:r>
-            <a:r>
-              <a:rPr lang="ru-RU" sz="2400" dirty="0"/>
-              <a:t> с </a:t>
-            </a:r>
-            <a:r>
-              <a:rPr lang="ru-RU" sz="2400" dirty="0" err="1"/>
-              <a:t>tokio</a:t>
-            </a:r>
-            <a:endParaRPr lang="en-US" sz="2400" dirty="0"/>
-          </a:p>
-          <a:p>
-            <a:pPr marL="342900" indent="-342900" algn="just">
-              <a:buAutoNum type="arabicPeriod"/>
+              <a:rPr lang="ru-RU" sz="3200" b="1" dirty="0">
+                <a:solidFill>
+                  <a:srgbClr val="E36C09"/>
+                </a:solidFill>
+                <a:latin typeface="Arial"/>
+              </a:rPr>
+              <a:t>Тестирование требований</a:t>
+            </a:r>
+            <a:endParaRPr sz="1200" dirty="0"/>
+          </a:p>
+        </p:txBody>
+      </p:sp>
+      <p:pic>
+        <p:nvPicPr>
+          <p:cNvPr id="4" name="Рисунок 3">
+            <a:extLst>
+              <a:ext uri="{FF2B5EF4-FFF2-40B4-BE49-F238E27FC236}">
+                <a16:creationId xmlns:a16="http://schemas.microsoft.com/office/drawing/2014/main" id="{F492F875-752A-47CC-8920-5424B6871FFD}"/>
+              </a:ext>
+            </a:extLst>
+          </p:cNvPr>
+          <p:cNvPicPr>
+            <a:picLocks noChangeAspect="1"/>
+          </p:cNvPicPr>
+          <p:nvPr/>
+        </p:nvPicPr>
+        <p:blipFill>
+          <a:blip r:embed="rId2"/>
+          <a:stretch>
+            <a:fillRect/>
+          </a:stretch>
+        </p:blipFill>
+        <p:spPr>
+          <a:xfrm>
+            <a:off x="497657" y="942535"/>
+            <a:ext cx="8102991" cy="5120640"/>
+          </a:xfrm>
+          <a:prstGeom prst="rect">
+            <a:avLst/>
+          </a:prstGeom>
+        </p:spPr>
+      </p:pic>
+    </p:spTree>
+  </p:cSld>
+  <p:clrMapOvr>
+    <a:masterClrMapping/>
+  </p:clrMapOvr>
+</p:sld>
+</file>
+
+<file path=ppt/slides/slide16.xml><?xml version="1.0" encoding="utf-8"?>
+<p:sld xmlns:a="http://schemas.openxmlformats.org/drawingml/2006/main" xmlns:r="http://schemas.openxmlformats.org/officeDocument/2006/relationships" xmlns:p="http://schemas.openxmlformats.org/presentationml/2006/main">
+  <p:cSld>
+    <p:spTree>
+      <p:nvGrpSpPr>
+        <p:cNvPr id="1" name=""/>
+        <p:cNvGrpSpPr/>
+        <p:nvPr/>
+      </p:nvGrpSpPr>
+      <p:grpSpPr>
+        <a:xfrm>
+          <a:off x="0" y="0"/>
+          <a:ext cx="0" cy="0"/>
+          <a:chOff x="0" y="0"/>
+          <a:chExt cx="0" cy="0"/>
+        </a:xfrm>
+      </p:grpSpPr>
+      <p:sp>
+        <p:nvSpPr>
+          <p:cNvPr id="2" name="CustomShape 3">
+            <a:extLst>
+              <a:ext uri="{FF2B5EF4-FFF2-40B4-BE49-F238E27FC236}">
+                <a16:creationId xmlns:a16="http://schemas.microsoft.com/office/drawing/2014/main" id="{7B5DA151-04B4-4AB4-A3BC-E5922A4CA50F}"/>
+              </a:ext>
+            </a:extLst>
+          </p:cNvPr>
+          <p:cNvSpPr/>
+          <p:nvPr/>
+        </p:nvSpPr>
+        <p:spPr>
+          <a:xfrm>
+            <a:off x="792000" y="76320"/>
+            <a:ext cx="7559640" cy="1339920"/>
+          </a:xfrm>
+          <a:prstGeom prst="rect">
+            <a:avLst/>
+          </a:prstGeom>
+          <a:noFill/>
+          <a:ln>
+            <a:noFill/>
+          </a:ln>
+        </p:spPr>
+        <p:style>
+          <a:lnRef idx="0">
+            <a:scrgbClr r="0" g="0" b="0"/>
+          </a:lnRef>
+          <a:fillRef idx="0">
+            <a:scrgbClr r="0" g="0" b="0"/>
+          </a:fillRef>
+          <a:effectRef idx="0">
+            <a:scrgbClr r="0" g="0" b="0"/>
+          </a:effectRef>
+          <a:fontRef idx="minor"/>
+        </p:style>
+        <p:txBody>
+          <a:bodyPr lIns="90000" tIns="45000" rIns="90000" bIns="45000"/>
+          <a:lstStyle/>
+          <a:p>
+            <a:pPr algn="ctr">
+              <a:lnSpc>
+                <a:spcPct val="100000"/>
+              </a:lnSpc>
             </a:pPr>
-            <a:endParaRPr lang="en-US" sz="2400" dirty="0"/>
-          </a:p>
-          <a:p>
-            <a:pPr marL="342900" indent="-342900" algn="just">
-              <a:buAutoNum type="arabicPeriod"/>
+            <a:r>
+              <a:rPr lang="en-US" sz="3200" b="1" dirty="0">
+                <a:solidFill>
+                  <a:srgbClr val="E36C09"/>
+                </a:solidFill>
+                <a:latin typeface="Arial"/>
+              </a:rPr>
+              <a:t>Unit </a:t>
+            </a:r>
+            <a:r>
+              <a:rPr lang="ru-RU" sz="3200" b="1" dirty="0">
+                <a:solidFill>
+                  <a:srgbClr val="E36C09"/>
+                </a:solidFill>
+                <a:latin typeface="Arial"/>
+              </a:rPr>
+              <a:t>тестирование</a:t>
+            </a:r>
+            <a:endParaRPr sz="1200" dirty="0"/>
+          </a:p>
+        </p:txBody>
+      </p:sp>
+      <p:pic>
+        <p:nvPicPr>
+          <p:cNvPr id="3" name="Рисунок 2">
+            <a:extLst>
+              <a:ext uri="{FF2B5EF4-FFF2-40B4-BE49-F238E27FC236}">
+                <a16:creationId xmlns:a16="http://schemas.microsoft.com/office/drawing/2014/main" id="{23D17F80-E7CE-4994-89EC-93E4F92BE892}"/>
+              </a:ext>
+            </a:extLst>
+          </p:cNvPr>
+          <p:cNvPicPr>
+            <a:picLocks noChangeAspect="1"/>
+          </p:cNvPicPr>
+          <p:nvPr/>
+        </p:nvPicPr>
+        <p:blipFill>
+          <a:blip r:embed="rId2"/>
+          <a:stretch>
+            <a:fillRect/>
+          </a:stretch>
+        </p:blipFill>
+        <p:spPr>
+          <a:xfrm>
+            <a:off x="792000" y="1476774"/>
+            <a:ext cx="7745922" cy="3904452"/>
+          </a:xfrm>
+          <a:prstGeom prst="rect">
+            <a:avLst/>
+          </a:prstGeom>
+        </p:spPr>
+      </p:pic>
+    </p:spTree>
+  </p:cSld>
+  <p:clrMapOvr>
+    <a:masterClrMapping/>
+  </p:clrMapOvr>
+</p:sld>
+</file>
+
+<file path=ppt/slides/slide17.xml><?xml version="1.0" encoding="utf-8"?>
+<p:sld xmlns:a="http://schemas.openxmlformats.org/drawingml/2006/main" xmlns:r="http://schemas.openxmlformats.org/officeDocument/2006/relationships" xmlns:p="http://schemas.openxmlformats.org/presentationml/2006/main">
+  <p:cSld>
+    <p:spTree>
+      <p:nvGrpSpPr>
+        <p:cNvPr id="1" name=""/>
+        <p:cNvGrpSpPr/>
+        <p:nvPr/>
+      </p:nvGrpSpPr>
+      <p:grpSpPr>
+        <a:xfrm>
+          <a:off x="0" y="0"/>
+          <a:ext cx="0" cy="0"/>
+          <a:chOff x="0" y="0"/>
+          <a:chExt cx="0" cy="0"/>
+        </a:xfrm>
+      </p:grpSpPr>
+      <p:sp>
+        <p:nvSpPr>
+          <p:cNvPr id="2" name="CustomShape 3">
+            <a:extLst>
+              <a:ext uri="{FF2B5EF4-FFF2-40B4-BE49-F238E27FC236}">
+                <a16:creationId xmlns:a16="http://schemas.microsoft.com/office/drawing/2014/main" id="{7B5DA151-04B4-4AB4-A3BC-E5922A4CA50F}"/>
+              </a:ext>
+            </a:extLst>
+          </p:cNvPr>
+          <p:cNvSpPr/>
+          <p:nvPr/>
+        </p:nvSpPr>
+        <p:spPr>
+          <a:xfrm>
+            <a:off x="559244" y="2578451"/>
+            <a:ext cx="7559640" cy="1339920"/>
+          </a:xfrm>
+          <a:prstGeom prst="rect">
+            <a:avLst/>
+          </a:prstGeom>
+          <a:noFill/>
+          <a:ln>
+            <a:noFill/>
+          </a:ln>
+        </p:spPr>
+        <p:style>
+          <a:lnRef idx="0">
+            <a:scrgbClr r="0" g="0" b="0"/>
+          </a:lnRef>
+          <a:fillRef idx="0">
+            <a:scrgbClr r="0" g="0" b="0"/>
+          </a:fillRef>
+          <a:effectRef idx="0">
+            <a:scrgbClr r="0" g="0" b="0"/>
+          </a:effectRef>
+          <a:fontRef idx="minor"/>
+        </p:style>
+        <p:txBody>
+          <a:bodyPr lIns="90000" tIns="45000" rIns="90000" bIns="45000"/>
+          <a:lstStyle/>
+          <a:p>
+            <a:pPr algn="ctr">
+              <a:lnSpc>
+                <a:spcPct val="100000"/>
+              </a:lnSpc>
             </a:pPr>
             <a:r>
-              <a:rPr lang="ru-RU" sz="2400" dirty="0"/>
-              <a:t>Если несколько пиров позволяют скачать один и тот же файл, скачивание должно производиться с каждого из них одновременно</a:t>
-            </a:r>
-            <a:endParaRPr lang="en-US" sz="2400" dirty="0"/>
-          </a:p>
-          <a:p>
-            <a:pPr marL="342900" indent="-342900" algn="just">
-              <a:buFontTx/>
-              <a:buAutoNum type="arabicPeriod"/>
-            </a:pPr>
-            <a:endParaRPr lang="en-US" sz="2400" dirty="0"/>
-          </a:p>
-          <a:p>
-            <a:pPr marL="342900" indent="-342900" algn="just">
-              <a:buFontTx/>
-              <a:buAutoNum type="arabicPeriod"/>
-            </a:pPr>
-            <a:r>
-              <a:rPr lang="ru-RU" sz="2400" dirty="0">
-                <a:solidFill>
-                  <a:schemeClr val="bg2">
-                    <a:lumMod val="50000"/>
-                    <a:lumOff val="50000"/>
-                  </a:schemeClr>
-                </a:solidFill>
+              <a:rPr lang="ru-RU" sz="5400" b="1" dirty="0">
+                <a:solidFill>
+                  <a:srgbClr val="E36C09"/>
+                </a:solidFill>
+                <a:latin typeface="Arial"/>
               </a:rPr>
-              <a:t>Передача файлов должна происходить по защищенному зашифрованному соединению</a:t>
-            </a:r>
-            <a:endParaRPr lang="en-US" sz="2400" dirty="0">
-              <a:solidFill>
-                <a:schemeClr val="bg2">
-                  <a:lumMod val="50000"/>
-                  <a:lumOff val="50000"/>
-                </a:schemeClr>
-              </a:solidFill>
-            </a:endParaRPr>
+              <a:t>Спасибо за внимание!</a:t>
+            </a:r>
+            <a:endParaRPr sz="2400" dirty="0"/>
           </a:p>
         </p:txBody>
       </p:sp>
     </p:spTree>
-    <p:extLst>
-      <p:ext uri="{BB962C8B-B14F-4D97-AF65-F5344CB8AC3E}">
-        <p14:creationId xmlns:p14="http://schemas.microsoft.com/office/powerpoint/2010/main" val="2590363256"/>
-      </p:ext>
-    </p:extLst>
   </p:cSld>
   <p:clrMapOvr>
     <a:masterClrMapping/>
@@ -8290,7 +8584,7 @@
           <p:nvPr/>
         </p:nvPicPr>
         <p:blipFill>
-          <a:blip r:embed="rId3">
+          <a:blip r:embed="rId3" cstate="print">
             <a:extLst>
               <a:ext uri="{28A0092B-C50C-407E-A947-70E740481C1C}">
                 <a14:useLocalDpi xmlns:a14="http://schemas.microsoft.com/office/drawing/2010/main" val="0"/>
@@ -9205,7 +9499,7 @@
           <p:nvPr/>
         </p:nvPicPr>
         <p:blipFill>
-          <a:blip r:embed="rId3"/>
+          <a:blip r:embed="rId3" cstate="print"/>
           <a:stretch/>
         </p:blipFill>
         <p:spPr>
@@ -9543,7 +9837,7 @@
           <p:nvPr/>
         </p:nvPicPr>
         <p:blipFill>
-          <a:blip r:embed="rId2"/>
+          <a:blip r:embed="rId2" cstate="print"/>
           <a:stretch>
             <a:fillRect/>
           </a:stretch>
@@ -9657,10 +9951,10 @@
       </p:grpSpPr>
       <p:sp>
         <p:nvSpPr>
-          <p:cNvPr id="3" name="CustomShape 3">
+          <p:cNvPr id="2" name="CustomShape 3">
             <a:extLst>
               <a:ext uri="{FF2B5EF4-FFF2-40B4-BE49-F238E27FC236}">
-                <a16:creationId xmlns:a16="http://schemas.microsoft.com/office/drawing/2014/main" id="{8C68705B-1AFE-4531-B9AC-581F836130E2}"/>
+                <a16:creationId xmlns:a16="http://schemas.microsoft.com/office/drawing/2014/main" id="{DA80C9F5-F398-4CF2-94A8-45B425EA765D}"/>
               </a:ext>
             </a:extLst>
           </p:cNvPr>
@@ -9708,36 +10002,18 @@
                 </a:solidFill>
                 <a:latin typeface="Arial"/>
               </a:rPr>
-              <a:t>Взаимодействие с приложением</a:t>
-            </a:r>
-            <a:r>
-              <a:rPr lang="en-US" sz="3200" b="1" dirty="0">
-                <a:solidFill>
-                  <a:srgbClr val="E36C09"/>
-                </a:solidFill>
-                <a:latin typeface="Arial"/>
-              </a:rPr>
-              <a:t> </a:t>
-            </a:r>
-            <a:r>
-              <a:rPr lang="ru-RU" sz="3200" b="1" dirty="0">
-                <a:solidFill>
-                  <a:srgbClr val="E36C09"/>
-                </a:solidFill>
-                <a:latin typeface="Arial"/>
-              </a:rPr>
-              <a:t>посредством клиента</a:t>
-            </a:r>
-            <a:endParaRPr sz="1200" dirty="0"/>
-          </a:p>
-        </p:txBody>
-      </p:sp>
-      <p:sp>
-        <p:nvSpPr>
-          <p:cNvPr id="4" name="TextBox 3">
+              <a:t>Общение клиента и демона</a:t>
+            </a:r>
+            <a:endParaRPr lang="ru-RU" sz="1200" dirty="0"/>
+          </a:p>
+        </p:txBody>
+      </p:sp>
+      <p:sp>
+        <p:nvSpPr>
+          <p:cNvPr id="3" name="TextBox 2">
             <a:extLst>
               <a:ext uri="{FF2B5EF4-FFF2-40B4-BE49-F238E27FC236}">
-                <a16:creationId xmlns:a16="http://schemas.microsoft.com/office/drawing/2014/main" id="{10E4099C-F341-42FC-B94D-4314011C971D}"/>
+                <a16:creationId xmlns:a16="http://schemas.microsoft.com/office/drawing/2014/main" id="{158AC181-82BF-4C4C-9125-B3BC8CF7FE17}"/>
               </a:ext>
             </a:extLst>
           </p:cNvPr>
@@ -9746,8 +10022,8 @@
         </p:nvSpPr>
         <p:spPr>
           <a:xfrm>
-            <a:off x="650332" y="1506827"/>
-            <a:ext cx="8152326" cy="3970318"/>
+            <a:off x="540913" y="862885"/>
+            <a:ext cx="8332631" cy="923330"/>
           </a:xfrm>
           <a:prstGeom prst="rect">
             <a:avLst/>
@@ -9769,12 +10045,119 @@
                   </a:schemeClr>
                 </a:solidFill>
               </a:rPr>
-              <a:t>Как было сказано ранее, приложение имеет консольный командный интерфейс и предоставляет пользователю следующие возможности взаимодействия через клиент:</a:t>
-            </a:r>
-          </a:p>
-          <a:p>
-            <a:pPr algn="just"/>
-            <a:endParaRPr lang="ru-RU" dirty="0">
+              <a:t>Когда пользователь корректно вводит одну из команд, клиент</a:t>
+            </a:r>
+            <a:r>
+              <a:rPr lang="en-US" dirty="0">
+                <a:solidFill>
+                  <a:schemeClr val="tx1">
+                    <a:lumMod val="85000"/>
+                  </a:schemeClr>
+                </a:solidFill>
+              </a:rPr>
+              <a:t> </a:t>
+            </a:r>
+            <a:r>
+              <a:rPr lang="ru-RU" dirty="0">
+                <a:solidFill>
+                  <a:schemeClr val="tx1">
+                    <a:lumMod val="85000"/>
+                  </a:schemeClr>
+                </a:solidFill>
+              </a:rPr>
+              <a:t>определяет тип команды, формирует запрос</a:t>
+            </a:r>
+            <a:r>
+              <a:rPr lang="en-US" dirty="0">
+                <a:solidFill>
+                  <a:schemeClr val="tx1">
+                    <a:lumMod val="85000"/>
+                  </a:schemeClr>
+                </a:solidFill>
+              </a:rPr>
+              <a:t>(</a:t>
+            </a:r>
+            <a:r>
+              <a:rPr lang="ru-RU" dirty="0" err="1">
+                <a:solidFill>
+                  <a:schemeClr val="tx1">
+                    <a:lumMod val="85000"/>
+                  </a:schemeClr>
+                </a:solidFill>
+              </a:rPr>
+              <a:t>сериализованный</a:t>
+            </a:r>
+            <a:r>
+              <a:rPr lang="ru-RU" dirty="0">
+                <a:solidFill>
+                  <a:schemeClr val="tx1">
+                    <a:lumMod val="85000"/>
+                  </a:schemeClr>
+                </a:solidFill>
+              </a:rPr>
+              <a:t> </a:t>
+            </a:r>
+            <a:r>
+              <a:rPr lang="en-US" dirty="0">
+                <a:solidFill>
+                  <a:schemeClr val="tx1">
+                    <a:lumMod val="85000"/>
+                  </a:schemeClr>
+                </a:solidFill>
+              </a:rPr>
+              <a:t>json</a:t>
+            </a:r>
+            <a:r>
+              <a:rPr lang="ru-RU" dirty="0">
+                <a:solidFill>
+                  <a:schemeClr val="tx1">
+                    <a:lumMod val="85000"/>
+                  </a:schemeClr>
+                </a:solidFill>
+              </a:rPr>
+              <a:t> файл и отправляет демону посредством </a:t>
+            </a:r>
+            <a:r>
+              <a:rPr lang="en-US" b="1" dirty="0">
+                <a:solidFill>
+                  <a:schemeClr val="tx1">
+                    <a:lumMod val="85000"/>
+                  </a:schemeClr>
+                </a:solidFill>
+              </a:rPr>
+              <a:t>std::net::</a:t>
+            </a:r>
+            <a:r>
+              <a:rPr lang="en-US" b="1" dirty="0" err="1">
+                <a:solidFill>
+                  <a:schemeClr val="tx1">
+                    <a:lumMod val="85000"/>
+                  </a:schemeClr>
+                </a:solidFill>
+              </a:rPr>
+              <a:t>TcpStrem</a:t>
+            </a:r>
+            <a:r>
+              <a:rPr lang="en-US" b="1" dirty="0">
+                <a:solidFill>
+                  <a:schemeClr val="tx1">
+                    <a:lumMod val="85000"/>
+                  </a:schemeClr>
+                </a:solidFill>
+              </a:rPr>
+              <a:t>::connect</a:t>
+            </a:r>
+            <a:r>
+              <a:rPr lang="ru-RU" dirty="0">
+                <a:solidFill>
+                  <a:schemeClr val="tx1">
+                    <a:lumMod val="85000"/>
+                  </a:schemeClr>
+                </a:solidFill>
+              </a:rPr>
+              <a:t>. Пример кода показан ниже:</a:t>
+            </a:r>
+            <a:endParaRPr lang="en-US" dirty="0">
               <a:solidFill>
                 <a:schemeClr val="tx1">
                   <a:lumMod val="85000"/>
@@ -9782,139 +10165,90 @@
               </a:solidFill>
             </a:endParaRPr>
           </a:p>
-          <a:p>
-            <a:pPr algn="just"/>
-            <a:endParaRPr lang="en-US" dirty="0">
-              <a:solidFill>
-                <a:srgbClr val="FFC000"/>
-              </a:solidFill>
-              <a:latin typeface="Consolas" panose="020B0609020204030204" pitchFamily="49" charset="0"/>
-            </a:endParaRPr>
-          </a:p>
-          <a:p>
-            <a:r>
-              <a:rPr lang="en-US" dirty="0">
+        </p:txBody>
+      </p:sp>
+      <p:sp>
+        <p:nvSpPr>
+          <p:cNvPr id="5" name="TextBox 4">
+            <a:extLst>
+              <a:ext uri="{FF2B5EF4-FFF2-40B4-BE49-F238E27FC236}">
+                <a16:creationId xmlns:a16="http://schemas.microsoft.com/office/drawing/2014/main" id="{5C594EC1-FC64-47C6-8A38-1DE259EAD824}"/>
+              </a:ext>
+            </a:extLst>
+          </p:cNvPr>
+          <p:cNvSpPr txBox="1"/>
+          <p:nvPr/>
+        </p:nvSpPr>
+        <p:spPr>
+          <a:xfrm>
+            <a:off x="341110" y="6065949"/>
+            <a:ext cx="8461419" cy="369332"/>
+          </a:xfrm>
+          <a:prstGeom prst="rect">
+            <a:avLst/>
+          </a:prstGeom>
+          <a:noFill/>
+        </p:spPr>
+        <p:txBody>
+          <a:bodyPr wrap="square" rtlCol="0">
+            <a:spAutoFit/>
+          </a:bodyPr>
+          <a:lstStyle/>
+          <a:p>
+            <a:r>
+              <a:rPr lang="ru-RU" dirty="0">
                 <a:solidFill>
                   <a:schemeClr val="tx1">
                     <a:lumMod val="85000"/>
                   </a:schemeClr>
                 </a:solidFill>
-                <a:latin typeface="Consolas" panose="020B0609020204030204" pitchFamily="49" charset="0"/>
               </a:rPr>
-              <a:t>[share &lt;</a:t>
-            </a:r>
-            <a:r>
-              <a:rPr lang="en-US" dirty="0" err="1">
-                <a:solidFill>
-                  <a:schemeClr val="tx1">
-                    <a:lumMod val="85000"/>
-                  </a:schemeClr>
-                </a:solidFill>
-                <a:latin typeface="Consolas" panose="020B0609020204030204" pitchFamily="49" charset="0"/>
-              </a:rPr>
-              <a:t>filepath</a:t>
-            </a:r>
-            <a:r>
-              <a:rPr lang="en-US" dirty="0">
-                <a:solidFill>
-                  <a:schemeClr val="tx1">
-                    <a:lumMod val="85000"/>
-                  </a:schemeClr>
-                </a:solidFill>
-                <a:latin typeface="Consolas" panose="020B0609020204030204" pitchFamily="49" charset="0"/>
-              </a:rPr>
-              <a:t>&gt;] - Add to the list of files that are available for download from this client</a:t>
-            </a:r>
-          </a:p>
-          <a:p>
-            <a:r>
-              <a:rPr lang="en-US" dirty="0">
-                <a:solidFill>
-                  <a:schemeClr val="tx1">
-                    <a:lumMod val="85000"/>
-                  </a:schemeClr>
-                </a:solidFill>
-                <a:latin typeface="Consolas" panose="020B0609020204030204" pitchFamily="49" charset="0"/>
-              </a:rPr>
-              <a:t>[scan] - Refresh the list of peers and files that are available for download </a:t>
-            </a:r>
-          </a:p>
-          <a:p>
-            <a:r>
-              <a:rPr lang="en-US" dirty="0">
-                <a:solidFill>
-                  <a:schemeClr val="tx1">
-                    <a:lumMod val="85000"/>
-                  </a:schemeClr>
-                </a:solidFill>
-                <a:latin typeface="Consolas" panose="020B0609020204030204" pitchFamily="49" charset="0"/>
-              </a:rPr>
-              <a:t>[ls] - Show the list of files that this client can download</a:t>
-            </a:r>
-          </a:p>
-          <a:p>
-            <a:r>
-              <a:rPr lang="en-US" dirty="0">
-                <a:solidFill>
-                  <a:schemeClr val="tx1">
-                    <a:lumMod val="85000"/>
-                  </a:schemeClr>
-                </a:solidFill>
-                <a:latin typeface="Consolas" panose="020B0609020204030204" pitchFamily="49" charset="0"/>
-              </a:rPr>
-              <a:t>[download &lt;</a:t>
-            </a:r>
-            <a:r>
-              <a:rPr lang="en-US" dirty="0" err="1">
-                <a:solidFill>
-                  <a:schemeClr val="tx1">
-                    <a:lumMod val="85000"/>
-                  </a:schemeClr>
-                </a:solidFill>
-                <a:latin typeface="Consolas" panose="020B0609020204030204" pitchFamily="49" charset="0"/>
-              </a:rPr>
-              <a:t>file_name</a:t>
-            </a:r>
-            <a:r>
-              <a:rPr lang="en-US" dirty="0">
-                <a:solidFill>
-                  <a:schemeClr val="tx1">
-                    <a:lumMod val="85000"/>
-                  </a:schemeClr>
-                </a:solidFill>
-                <a:latin typeface="Consolas" panose="020B0609020204030204" pitchFamily="49" charset="0"/>
-              </a:rPr>
-              <a:t>&gt; -o &lt;</a:t>
-            </a:r>
-            <a:r>
-              <a:rPr lang="en-US" dirty="0" err="1">
-                <a:solidFill>
-                  <a:schemeClr val="tx1">
-                    <a:lumMod val="85000"/>
-                  </a:schemeClr>
-                </a:solidFill>
-                <a:latin typeface="Consolas" panose="020B0609020204030204" pitchFamily="49" charset="0"/>
-              </a:rPr>
-              <a:t>save_path</a:t>
-            </a:r>
-            <a:r>
-              <a:rPr lang="en-US" dirty="0">
-                <a:solidFill>
-                  <a:schemeClr val="tx1">
-                    <a:lumMod val="85000"/>
-                  </a:schemeClr>
-                </a:solidFill>
-                <a:latin typeface="Consolas" panose="020B0609020204030204" pitchFamily="49" charset="0"/>
-              </a:rPr>
-              <a:t>&gt;] - Download the file with the specified name and save along the specified path                [status] - Show a list of current downloads and a list of files that are available for download“</a:t>
-            </a:r>
-          </a:p>
-        </p:txBody>
-      </p:sp>
+              <a:t>В случае неудачного соединения, клиенту выводится сообщение об ошибке.</a:t>
+            </a:r>
+            <a:endParaRPr lang="en-US" dirty="0">
+              <a:solidFill>
+                <a:schemeClr val="tx1">
+                  <a:lumMod val="85000"/>
+                </a:schemeClr>
+              </a:solidFill>
+            </a:endParaRPr>
+          </a:p>
+        </p:txBody>
+      </p:sp>
+      <p:pic>
+        <p:nvPicPr>
+          <p:cNvPr id="6" name="Picture 5">
+            <a:extLst>
+              <a:ext uri="{FF2B5EF4-FFF2-40B4-BE49-F238E27FC236}">
+                <a16:creationId xmlns:a16="http://schemas.microsoft.com/office/drawing/2014/main" id="{C1AE05C0-489E-43AE-92B1-123A94BA6BBF}"/>
+              </a:ext>
+            </a:extLst>
+          </p:cNvPr>
+          <p:cNvPicPr>
+            <a:picLocks noChangeAspect="1"/>
+          </p:cNvPicPr>
+          <p:nvPr/>
+        </p:nvPicPr>
+        <p:blipFill>
+          <a:blip r:embed="rId2" cstate="print"/>
+          <a:stretch>
+            <a:fillRect/>
+          </a:stretch>
+        </p:blipFill>
+        <p:spPr>
+          <a:xfrm>
+            <a:off x="0" y="1980455"/>
+            <a:ext cx="9144000" cy="4014660"/>
+          </a:xfrm>
+          <a:prstGeom prst="rect">
+            <a:avLst/>
+          </a:prstGeom>
+        </p:spPr>
+      </p:pic>
     </p:spTree>
     <p:extLst>
       <p:ext uri="{BB962C8B-B14F-4D97-AF65-F5344CB8AC3E}">
-        <p14:creationId xmlns:p14="http://schemas.microsoft.com/office/powerpoint/2010/main" val="500856925"/>
+        <p14:creationId xmlns:p14="http://schemas.microsoft.com/office/powerpoint/2010/main" val="4168208584"/>
       </p:ext>
     </p:extLst>
   </p:cSld>
@@ -9946,7 +10280,7 @@
           <p:cNvPr id="2" name="CustomShape 3">
             <a:extLst>
               <a:ext uri="{FF2B5EF4-FFF2-40B4-BE49-F238E27FC236}">
-                <a16:creationId xmlns:a16="http://schemas.microsoft.com/office/drawing/2014/main" id="{DA80C9F5-F398-4CF2-94A8-45B425EA765D}"/>
+                <a16:creationId xmlns:a16="http://schemas.microsoft.com/office/drawing/2014/main" id="{9EF90166-9544-4063-8AE9-1B1241C49810}"/>
               </a:ext>
             </a:extLst>
           </p:cNvPr>
@@ -9994,225 +10328,18 @@
                 </a:solidFill>
                 <a:latin typeface="Arial"/>
               </a:rPr>
-              <a:t>Общение клиента и демона</a:t>
+              <a:t>Ответ клиенту от демона</a:t>
             </a:r>
             <a:endParaRPr lang="ru-RU" sz="1200" dirty="0"/>
           </a:p>
         </p:txBody>
       </p:sp>
-      <p:sp>
-        <p:nvSpPr>
-          <p:cNvPr id="3" name="TextBox 2">
+      <p:pic>
+        <p:nvPicPr>
+          <p:cNvPr id="3" name="Picture 2">
             <a:extLst>
               <a:ext uri="{FF2B5EF4-FFF2-40B4-BE49-F238E27FC236}">
-                <a16:creationId xmlns:a16="http://schemas.microsoft.com/office/drawing/2014/main" id="{158AC181-82BF-4C4C-9125-B3BC8CF7FE17}"/>
-              </a:ext>
-            </a:extLst>
-          </p:cNvPr>
-          <p:cNvSpPr txBox="1"/>
-          <p:nvPr/>
-        </p:nvSpPr>
-        <p:spPr>
-          <a:xfrm>
-            <a:off x="540913" y="862885"/>
-            <a:ext cx="8332631" cy="923330"/>
-          </a:xfrm>
-          <a:prstGeom prst="rect">
-            <a:avLst/>
-          </a:prstGeom>
-          <a:noFill/>
-        </p:spPr>
-        <p:txBody>
-          <a:bodyPr wrap="square" rtlCol="0">
-            <a:spAutoFit/>
-          </a:bodyPr>
-          <a:lstStyle/>
-          <a:p>
-            <a:pPr algn="just"/>
-            <a:r>
-              <a:rPr lang="ru-RU" dirty="0">
-                <a:solidFill>
-                  <a:schemeClr val="tx1">
-                    <a:lumMod val="85000"/>
-                  </a:schemeClr>
-                </a:solidFill>
-              </a:rPr>
-              <a:t>Когда пользователь корректно вводит одну из команд, клиент</a:t>
-            </a:r>
-            <a:r>
-              <a:rPr lang="en-US" dirty="0">
-                <a:solidFill>
-                  <a:schemeClr val="tx1">
-                    <a:lumMod val="85000"/>
-                  </a:schemeClr>
-                </a:solidFill>
-              </a:rPr>
-              <a:t> </a:t>
-            </a:r>
-            <a:r>
-              <a:rPr lang="ru-RU" dirty="0">
-                <a:solidFill>
-                  <a:schemeClr val="tx1">
-                    <a:lumMod val="85000"/>
-                  </a:schemeClr>
-                </a:solidFill>
-              </a:rPr>
-              <a:t>определяет тип команды, формирует запрос</a:t>
-            </a:r>
-            <a:r>
-              <a:rPr lang="en-US" dirty="0">
-                <a:solidFill>
-                  <a:schemeClr val="tx1">
-                    <a:lumMod val="85000"/>
-                  </a:schemeClr>
-                </a:solidFill>
-              </a:rPr>
-              <a:t>(</a:t>
-            </a:r>
-            <a:r>
-              <a:rPr lang="ru-RU" dirty="0" err="1">
-                <a:solidFill>
-                  <a:schemeClr val="tx1">
-                    <a:lumMod val="85000"/>
-                  </a:schemeClr>
-                </a:solidFill>
-              </a:rPr>
-              <a:t>сериализованный</a:t>
-            </a:r>
-            <a:r>
-              <a:rPr lang="ru-RU" dirty="0">
-                <a:solidFill>
-                  <a:schemeClr val="tx1">
-                    <a:lumMod val="85000"/>
-                  </a:schemeClr>
-                </a:solidFill>
-              </a:rPr>
-              <a:t> </a:t>
-            </a:r>
-            <a:r>
-              <a:rPr lang="en-US" dirty="0">
-                <a:solidFill>
-                  <a:schemeClr val="tx1">
-                    <a:lumMod val="85000"/>
-                  </a:schemeClr>
-                </a:solidFill>
-              </a:rPr>
-              <a:t>json</a:t>
-            </a:r>
-            <a:r>
-              <a:rPr lang="ru-RU" dirty="0">
-                <a:solidFill>
-                  <a:schemeClr val="tx1">
-                    <a:lumMod val="85000"/>
-                  </a:schemeClr>
-                </a:solidFill>
-              </a:rPr>
-              <a:t> файл и отправляет демону посредством </a:t>
-            </a:r>
-            <a:r>
-              <a:rPr lang="en-US" b="1" dirty="0">
-                <a:solidFill>
-                  <a:schemeClr val="tx1">
-                    <a:lumMod val="85000"/>
-                  </a:schemeClr>
-                </a:solidFill>
-              </a:rPr>
-              <a:t>std::net::</a:t>
-            </a:r>
-            <a:r>
-              <a:rPr lang="en-US" b="1" dirty="0" err="1">
-                <a:solidFill>
-                  <a:schemeClr val="tx1">
-                    <a:lumMod val="85000"/>
-                  </a:schemeClr>
-                </a:solidFill>
-              </a:rPr>
-              <a:t>TcpStrem</a:t>
-            </a:r>
-            <a:r>
-              <a:rPr lang="en-US" b="1" dirty="0">
-                <a:solidFill>
-                  <a:schemeClr val="tx1">
-                    <a:lumMod val="85000"/>
-                  </a:schemeClr>
-                </a:solidFill>
-              </a:rPr>
-              <a:t>::connect</a:t>
-            </a:r>
-            <a:r>
-              <a:rPr lang="ru-RU" dirty="0">
-                <a:solidFill>
-                  <a:schemeClr val="tx1">
-                    <a:lumMod val="85000"/>
-                  </a:schemeClr>
-                </a:solidFill>
-              </a:rPr>
-              <a:t>. Пример кода показан ниже:</a:t>
-            </a:r>
-            <a:endParaRPr lang="en-US" dirty="0">
-              <a:solidFill>
-                <a:schemeClr val="tx1">
-                  <a:lumMod val="85000"/>
-                </a:schemeClr>
-              </a:solidFill>
-            </a:endParaRPr>
-          </a:p>
-        </p:txBody>
-      </p:sp>
-      <p:sp>
-        <p:nvSpPr>
-          <p:cNvPr id="5" name="TextBox 4">
-            <a:extLst>
-              <a:ext uri="{FF2B5EF4-FFF2-40B4-BE49-F238E27FC236}">
-                <a16:creationId xmlns:a16="http://schemas.microsoft.com/office/drawing/2014/main" id="{5C594EC1-FC64-47C6-8A38-1DE259EAD824}"/>
-              </a:ext>
-            </a:extLst>
-          </p:cNvPr>
-          <p:cNvSpPr txBox="1"/>
-          <p:nvPr/>
-        </p:nvSpPr>
-        <p:spPr>
-          <a:xfrm>
-            <a:off x="341110" y="6065949"/>
-            <a:ext cx="8461419" cy="369332"/>
-          </a:xfrm>
-          <a:prstGeom prst="rect">
-            <a:avLst/>
-          </a:prstGeom>
-          <a:noFill/>
-        </p:spPr>
-        <p:txBody>
-          <a:bodyPr wrap="square" rtlCol="0">
-            <a:spAutoFit/>
-          </a:bodyPr>
-          <a:lstStyle/>
-          <a:p>
-            <a:r>
-              <a:rPr lang="ru-RU" dirty="0">
-                <a:solidFill>
-                  <a:schemeClr val="tx1">
-                    <a:lumMod val="85000"/>
-                  </a:schemeClr>
-                </a:solidFill>
-              </a:rPr>
-              <a:t>В случае неудачного соединения, клиенту выводится сообщение об ошибке.</a:t>
-            </a:r>
-            <a:endParaRPr lang="en-US" dirty="0">
-              <a:solidFill>
-                <a:schemeClr val="tx1">
-                  <a:lumMod val="85000"/>
-                </a:schemeClr>
-              </a:solidFill>
-            </a:endParaRPr>
-          </a:p>
-        </p:txBody>
-      </p:sp>
-      <p:pic>
-        <p:nvPicPr>
-          <p:cNvPr id="6" name="Picture 5">
-            <a:extLst>
-              <a:ext uri="{FF2B5EF4-FFF2-40B4-BE49-F238E27FC236}">
-                <a16:creationId xmlns:a16="http://schemas.microsoft.com/office/drawing/2014/main" id="{C1AE05C0-489E-43AE-92B1-123A94BA6BBF}"/>
+                <a16:creationId xmlns:a16="http://schemas.microsoft.com/office/drawing/2014/main" id="{5FA6C8F0-3E72-48BE-8C42-49F0D2B8B583}"/>
               </a:ext>
             </a:extLst>
           </p:cNvPr>
@@ -10222,25 +10349,98 @@
           <p:nvPr/>
         </p:nvPicPr>
         <p:blipFill>
-          <a:blip r:embed="rId2"/>
+          <a:blip r:embed="rId2" cstate="print"/>
           <a:stretch>
             <a:fillRect/>
           </a:stretch>
         </p:blipFill>
         <p:spPr>
           <a:xfrm>
-            <a:off x="0" y="1980455"/>
-            <a:ext cx="9144000" cy="4014660"/>
+            <a:off x="0" y="746281"/>
+            <a:ext cx="9144000" cy="4559816"/>
           </a:xfrm>
           <a:prstGeom prst="rect">
             <a:avLst/>
           </a:prstGeom>
         </p:spPr>
       </p:pic>
+      <p:sp>
+        <p:nvSpPr>
+          <p:cNvPr id="4" name="TextBox 3">
+            <a:extLst>
+              <a:ext uri="{FF2B5EF4-FFF2-40B4-BE49-F238E27FC236}">
+                <a16:creationId xmlns:a16="http://schemas.microsoft.com/office/drawing/2014/main" id="{FAE9B8DD-9DB6-46D2-BCEE-0E1D7B483D9A}"/>
+              </a:ext>
+            </a:extLst>
+          </p:cNvPr>
+          <p:cNvSpPr txBox="1"/>
+          <p:nvPr/>
+        </p:nvSpPr>
+        <p:spPr>
+          <a:xfrm>
+            <a:off x="141667" y="5306097"/>
+            <a:ext cx="8538693" cy="1477328"/>
+          </a:xfrm>
+          <a:prstGeom prst="rect">
+            <a:avLst/>
+          </a:prstGeom>
+          <a:noFill/>
+        </p:spPr>
+        <p:txBody>
+          <a:bodyPr wrap="square" rtlCol="0">
+            <a:spAutoFit/>
+          </a:bodyPr>
+          <a:lstStyle/>
+          <a:p>
+            <a:pPr algn="just"/>
+            <a:r>
+              <a:rPr lang="ru-RU" dirty="0"/>
+              <a:t>Для получения ответа была написана функция </a:t>
+            </a:r>
+            <a:r>
+              <a:rPr lang="en-US" dirty="0" err="1"/>
+              <a:t>read_response</a:t>
+            </a:r>
+            <a:r>
+              <a:rPr lang="en-US" dirty="0"/>
+              <a:t>, </a:t>
+            </a:r>
+            <a:r>
+              <a:rPr lang="ru-RU" dirty="0"/>
+              <a:t>которая принимает ответ от демона, преобразует </a:t>
+            </a:r>
+            <a:r>
+              <a:rPr lang="ru-RU" dirty="0" err="1"/>
+              <a:t>сериализованый</a:t>
+            </a:r>
+            <a:r>
+              <a:rPr lang="ru-RU" dirty="0"/>
+              <a:t> </a:t>
+            </a:r>
+            <a:r>
+              <a:rPr lang="en-US" dirty="0"/>
+              <a:t>json</a:t>
+            </a:r>
+            <a:r>
+              <a:rPr lang="ru-RU" dirty="0"/>
+              <a:t> файл, </a:t>
+            </a:r>
+            <a:r>
+              <a:rPr lang="ru-RU" dirty="0" err="1"/>
+              <a:t>десериализует</a:t>
+            </a:r>
+            <a:r>
+              <a:rPr lang="ru-RU" dirty="0"/>
+              <a:t> его и возвращает тот тип ответа, в соответствии с типом команды, которая была отправлена демону ранее. Далее происходит вывод информации для пользователя.</a:t>
+            </a:r>
+            <a:endParaRPr lang="en-US" dirty="0"/>
+          </a:p>
+        </p:txBody>
+      </p:sp>
     </p:spTree>
     <p:extLst>
       <p:ext uri="{BB962C8B-B14F-4D97-AF65-F5344CB8AC3E}">
-        <p14:creationId xmlns:p14="http://schemas.microsoft.com/office/powerpoint/2010/main" val="4168208584"/>
+        <p14:creationId xmlns:p14="http://schemas.microsoft.com/office/powerpoint/2010/main" val="4026211488"/>
       </p:ext>
     </p:extLst>
   </p:cSld>
@@ -10272,7 +10472,7 @@
           <p:cNvPr id="2" name="CustomShape 3">
             <a:extLst>
               <a:ext uri="{FF2B5EF4-FFF2-40B4-BE49-F238E27FC236}">
-                <a16:creationId xmlns:a16="http://schemas.microsoft.com/office/drawing/2014/main" id="{9EF90166-9544-4063-8AE9-1B1241C49810}"/>
+                <a16:creationId xmlns:a16="http://schemas.microsoft.com/office/drawing/2014/main" id="{A4458AEC-E327-4097-906C-F2FD891A86B7}"/>
               </a:ext>
             </a:extLst>
           </p:cNvPr>
@@ -10281,8 +10481,8 @@
         </p:nvSpPr>
         <p:spPr>
           <a:xfrm>
-            <a:off x="792000" y="76320"/>
-            <a:ext cx="7559640" cy="1339920"/>
+            <a:off x="492591" y="0"/>
+            <a:ext cx="8158817" cy="1339920"/>
           </a:xfrm>
           <a:prstGeom prst="rect">
             <a:avLst/>
@@ -10314,24 +10514,122 @@
               </a:lnSpc>
             </a:pPr>
             <a:r>
-              <a:rPr lang="ru-RU" sz="3200" b="1" dirty="0">
+              <a:rPr lang="ru-RU" sz="2800" b="1" dirty="0">
                 <a:solidFill>
                   <a:srgbClr val="E36C09"/>
                 </a:solidFill>
                 <a:latin typeface="Arial"/>
               </a:rPr>
-              <a:t>Ответ клиенту от демона</a:t>
-            </a:r>
-            <a:endParaRPr lang="ru-RU" sz="1200" dirty="0"/>
+              <a:t>Библиотека для общения клиента и демона</a:t>
+            </a:r>
+            <a:endParaRPr lang="ru-RU" sz="1100" dirty="0"/>
+          </a:p>
+        </p:txBody>
+      </p:sp>
+      <p:sp>
+        <p:nvSpPr>
+          <p:cNvPr id="3" name="TextBox 2">
+            <a:extLst>
+              <a:ext uri="{FF2B5EF4-FFF2-40B4-BE49-F238E27FC236}">
+                <a16:creationId xmlns:a16="http://schemas.microsoft.com/office/drawing/2014/main" id="{FB222624-4AD1-4A57-AC68-8EC3B6749290}"/>
+              </a:ext>
+            </a:extLst>
+          </p:cNvPr>
+          <p:cNvSpPr txBox="1"/>
+          <p:nvPr/>
+        </p:nvSpPr>
+        <p:spPr>
+          <a:xfrm>
+            <a:off x="574706" y="556470"/>
+            <a:ext cx="7994585" cy="646331"/>
+          </a:xfrm>
+          <a:prstGeom prst="rect">
+            <a:avLst/>
+          </a:prstGeom>
+          <a:noFill/>
+        </p:spPr>
+        <p:txBody>
+          <a:bodyPr wrap="square" rtlCol="0">
+            <a:spAutoFit/>
+          </a:bodyPr>
+          <a:lstStyle/>
+          <a:p>
+            <a:r>
+              <a:rPr lang="ru-RU" dirty="0">
+                <a:solidFill>
+                  <a:schemeClr val="tx1">
+                    <a:lumMod val="85000"/>
+                  </a:schemeClr>
+                </a:solidFill>
+              </a:rPr>
+              <a:t>Для определения типов команд и ответов были созданы 2 перечисления: </a:t>
+            </a:r>
+            <a:r>
+              <a:rPr lang="en-US" dirty="0" err="1">
+                <a:solidFill>
+                  <a:schemeClr val="tx1">
+                    <a:lumMod val="85000"/>
+                  </a:schemeClr>
+                </a:solidFill>
+              </a:rPr>
+              <a:t>CommandType</a:t>
+            </a:r>
+            <a:r>
+              <a:rPr lang="en-US" dirty="0">
+                <a:solidFill>
+                  <a:schemeClr val="tx1">
+                    <a:lumMod val="85000"/>
+                  </a:schemeClr>
+                </a:solidFill>
+              </a:rPr>
+              <a:t> </a:t>
+            </a:r>
+            <a:r>
+              <a:rPr lang="ru-RU" dirty="0">
+                <a:solidFill>
+                  <a:schemeClr val="tx1">
+                    <a:lumMod val="85000"/>
+                  </a:schemeClr>
+                </a:solidFill>
+              </a:rPr>
+              <a:t>и </a:t>
+            </a:r>
+            <a:r>
+              <a:rPr lang="en-US" dirty="0" err="1">
+                <a:solidFill>
+                  <a:schemeClr val="tx1">
+                    <a:lumMod val="85000"/>
+                  </a:schemeClr>
+                </a:solidFill>
+              </a:rPr>
+              <a:t>ResponseType</a:t>
+            </a:r>
+            <a:r>
+              <a:rPr lang="ru-RU" dirty="0">
+                <a:solidFill>
+                  <a:schemeClr val="tx1">
+                    <a:lumMod val="85000"/>
+                  </a:schemeClr>
+                </a:solidFill>
+              </a:rPr>
+              <a:t>:</a:t>
+            </a:r>
+            <a:endParaRPr lang="en-US" dirty="0">
+              <a:solidFill>
+                <a:schemeClr val="tx1">
+                  <a:lumMod val="85000"/>
+                </a:schemeClr>
+              </a:solidFill>
+            </a:endParaRPr>
           </a:p>
         </p:txBody>
       </p:sp>
       <p:pic>
         <p:nvPicPr>
-          <p:cNvPr id="3" name="Picture 2">
+          <p:cNvPr id="4" name="Picture 3">
             <a:extLst>
               <a:ext uri="{FF2B5EF4-FFF2-40B4-BE49-F238E27FC236}">
-                <a16:creationId xmlns:a16="http://schemas.microsoft.com/office/drawing/2014/main" id="{5FA6C8F0-3E72-48BE-8C42-49F0D2B8B583}"/>
+                <a16:creationId xmlns:a16="http://schemas.microsoft.com/office/drawing/2014/main" id="{84EA4206-FABB-4795-B216-A9E224A12B8D}"/>
               </a:ext>
             </a:extLst>
           </p:cNvPr>
@@ -10341,98 +10639,55 @@
           <p:nvPr/>
         </p:nvPicPr>
         <p:blipFill>
-          <a:blip r:embed="rId2"/>
+          <a:blip r:embed="rId2" cstate="print"/>
           <a:stretch>
             <a:fillRect/>
           </a:stretch>
         </p:blipFill>
         <p:spPr>
           <a:xfrm>
-            <a:off x="0" y="746281"/>
-            <a:ext cx="9144000" cy="4559816"/>
+            <a:off x="-1" y="1294215"/>
+            <a:ext cx="9144000" cy="3665084"/>
           </a:xfrm>
           <a:prstGeom prst="rect">
             <a:avLst/>
           </a:prstGeom>
         </p:spPr>
       </p:pic>
-      <p:sp>
-        <p:nvSpPr>
-          <p:cNvPr id="4" name="TextBox 3">
+      <p:pic>
+        <p:nvPicPr>
+          <p:cNvPr id="5" name="Picture 4">
             <a:extLst>
               <a:ext uri="{FF2B5EF4-FFF2-40B4-BE49-F238E27FC236}">
-                <a16:creationId xmlns:a16="http://schemas.microsoft.com/office/drawing/2014/main" id="{FAE9B8DD-9DB6-46D2-BCEE-0E1D7B483D9A}"/>
+                <a16:creationId xmlns:a16="http://schemas.microsoft.com/office/drawing/2014/main" id="{B8B4F2E2-ABD6-45E5-A964-AB04AD5B9943}"/>
               </a:ext>
             </a:extLst>
           </p:cNvPr>
-          <p:cNvSpPr txBox="1"/>
+          <p:cNvPicPr>
+            <a:picLocks noChangeAspect="1"/>
+          </p:cNvPicPr>
           <p:nvPr/>
-        </p:nvSpPr>
-        <p:spPr>
-          <a:xfrm>
-            <a:off x="141667" y="5306097"/>
-            <a:ext cx="8538693" cy="1477328"/>
+        </p:nvPicPr>
+        <p:blipFill>
+          <a:blip r:embed="rId3" cstate="print"/>
+          <a:stretch>
+            <a:fillRect/>
+          </a:stretch>
+        </p:blipFill>
+        <p:spPr>
+          <a:xfrm>
+            <a:off x="0" y="4959298"/>
+            <a:ext cx="9144000" cy="1898702"/>
           </a:xfrm>
           <a:prstGeom prst="rect">
             <a:avLst/>
           </a:prstGeom>
-          <a:noFill/>
-        </p:spPr>
-        <p:txBody>
-          <a:bodyPr wrap="square" rtlCol="0">
-            <a:spAutoFit/>
-          </a:bodyPr>
-          <a:lstStyle/>
-          <a:p>
-            <a:pPr algn="just"/>
-            <a:r>
-              <a:rPr lang="ru-RU" dirty="0"/>
-              <a:t>Для получения ответа была написана функция </a:t>
-            </a:r>
-            <a:r>
-              <a:rPr lang="en-US" dirty="0" err="1"/>
-              <a:t>read_response</a:t>
-            </a:r>
-            <a:r>
-              <a:rPr lang="en-US" dirty="0"/>
-              <a:t>, </a:t>
-            </a:r>
-            <a:r>
-              <a:rPr lang="ru-RU" dirty="0"/>
-              <a:t>которая принимает ответ от демона, преобразует </a:t>
-            </a:r>
-            <a:r>
-              <a:rPr lang="ru-RU" dirty="0" err="1"/>
-              <a:t>сериализованый</a:t>
-            </a:r>
-            <a:r>
-              <a:rPr lang="ru-RU" dirty="0"/>
-              <a:t> </a:t>
-            </a:r>
-            <a:r>
-              <a:rPr lang="en-US" dirty="0"/>
-              <a:t>json</a:t>
-            </a:r>
-            <a:r>
-              <a:rPr lang="ru-RU" dirty="0"/>
-              <a:t> файл, </a:t>
-            </a:r>
-            <a:r>
-              <a:rPr lang="ru-RU" dirty="0" err="1"/>
-              <a:t>десериализует</a:t>
-            </a:r>
-            <a:r>
-              <a:rPr lang="ru-RU" dirty="0"/>
-              <a:t> его и возвращает тот тип ответа, в соответствии с типом команды, которая была отправлена демону ранее. Далее происходит вывод информации для пользователя.</a:t>
-            </a:r>
-            <a:endParaRPr lang="en-US" dirty="0"/>
-          </a:p>
-        </p:txBody>
-      </p:sp>
+        </p:spPr>
+      </p:pic>
     </p:spTree>
     <p:extLst>
       <p:ext uri="{BB962C8B-B14F-4D97-AF65-F5344CB8AC3E}">
-        <p14:creationId xmlns:p14="http://schemas.microsoft.com/office/powerpoint/2010/main" val="4026211488"/>
+        <p14:creationId xmlns:p14="http://schemas.microsoft.com/office/powerpoint/2010/main" val="2147461157"/>
       </p:ext>
     </p:extLst>
   </p:cSld>
@@ -10485,7 +10740,7 @@
     </a:clrScheme>
     <a:fontScheme name="Slate">
       <a:majorFont>
-        <a:latin typeface="Calisto MT" panose="02040603050505030304"/>
+        <a:latin typeface="Calisto MT"/>
         <a:ea typeface=""/>
         <a:cs typeface=""/>
         <a:font script="Jpan" typeface="ＭＳ Ｐゴシック"/>
@@ -10520,7 +10775,7 @@
         <a:font script="Geor" typeface="Sylfaen"/>
       </a:majorFont>
       <a:minorFont>
-        <a:latin typeface="Calisto MT" panose="02040603050505030304"/>
+        <a:latin typeface="Calisto MT"/>
         <a:ea typeface=""/>
         <a:cs typeface=""/>
         <a:font script="Jpan" typeface="ＭＳ Ｐゴシック"/>
